--- a/10|2-6/2023-10-6/kanji-new.pptx
+++ b/10|2-6/2023-10-6/kanji-new.pptx
@@ -1944,6 +1944,42 @@
         </p:nvSpPr>
         <p:spPr>
           <a:xfrm>
+            <a:off x="0" y="548640"/>
+            <a:ext cx="9144000" cy="1828800"/>
+          </a:xfrm>
+          <a:prstGeom prst="rect">
+            <a:avLst/>
+          </a:prstGeom>
+          <a:noFill/>
+          <a:ln/>
+        </p:spPr>
+        <p:txBody>
+          <a:bodyPr wrap="square" rtlCol="0" anchor="ctr"/>
+          <a:lstStyle/>
+          <a:p>
+            <a:pPr algn="ctr" indent="0" marL="0">
+              <a:buNone/>
+            </a:pPr>
+            <a:r>
+              <a:rPr lang="en-US" sz="4800" dirty="0">
+                <a:solidFill>
+                  <a:srgbClr val="000000"/>
+                </a:solidFill>
+              </a:rPr>
+              <a:t>帯</a:t>
+            </a:r>
+            <a:endParaRPr lang="en-US" sz="4800" dirty="0"/>
+          </a:p>
+        </p:txBody>
+      </p:sp>
+      <p:sp>
+        <p:nvSpPr>
+          <p:cNvPr id="3" name="Text 1"/>
+          <p:cNvSpPr/>
+          <p:nvPr/>
+        </p:nvSpPr>
+        <p:spPr>
+          <a:xfrm>
             <a:off x="0" y="914400"/>
             <a:ext cx="9144000" cy="1828800"/>
           </a:xfrm>
@@ -1960,35 +1996,33 @@
             <a:pPr algn="ctr" indent="0" marL="0">
               <a:buNone/>
             </a:pPr>
-            <a:r>
-              <a:rPr lang="en-US" sz="4800" dirty="0">
-                <a:solidFill>
-                  <a:srgbClr val="000000"/>
-                </a:solidFill>
-              </a:rPr>
-              <a:t>帯</a:t>
-            </a:r>
-            <a:endParaRPr lang="en-US" sz="4800" dirty="0"/>
-          </a:p>
-          <a:p>
-            <a:pPr algn="ctr" indent="0" marL="0">
-              <a:buNone/>
-            </a:pPr>
-            <a:r>
-              <a:rPr lang="en-US" sz="4800" dirty="0">
-                <a:solidFill>
-                  <a:srgbClr val="000000"/>
+            <a:endParaRPr lang="en-US" sz="3600" dirty="0"/>
+          </a:p>
+          <a:p>
+            <a:pPr algn="ctr" indent="0" marL="0">
+              <a:buNone/>
+            </a:pPr>
+            <a:endParaRPr lang="en-US" sz="3600" dirty="0"/>
+          </a:p>
+          <a:p>
+            <a:pPr algn="ctr" indent="0" marL="0">
+              <a:buNone/>
+            </a:pPr>
+            <a:r>
+              <a:rPr lang="en-US" sz="3600" dirty="0">
+                <a:solidFill>
+                  <a:srgbClr val="404040"/>
                 </a:solidFill>
               </a:rPr>
               <a:t>おび</a:t>
             </a:r>
-            <a:endParaRPr lang="en-US" sz="4800" dirty="0"/>
-          </a:p>
-        </p:txBody>
-      </p:sp>
-      <p:sp>
-        <p:nvSpPr>
-          <p:cNvPr id="3" name="Text 1"/>
+            <a:endParaRPr lang="en-US" sz="3600" dirty="0"/>
+          </a:p>
+        </p:txBody>
+      </p:sp>
+      <p:sp>
+        <p:nvSpPr>
+          <p:cNvPr id="4" name="Text 2"/>
           <p:cNvSpPr/>
           <p:nvPr/>
         </p:nvSpPr>
@@ -2013,7 +2047,7 @@
             <a:r>
               <a:rPr lang="en-US" sz="3600" dirty="0">
                 <a:solidFill>
-                  <a:srgbClr val="000000"/>
+                  <a:srgbClr val="808080"/>
                 </a:solidFill>
               </a:rPr>
               <a:t>obi, kimono sash | paper wrapper on books, CDs, etc. | band, belt, strip | cingulum | radio or television program broadca...</a:t>
@@ -2024,32 +2058,32 @@
       </p:sp>
       <p:sp>
         <p:nvSpPr>
-          <p:cNvPr id="4" name="Text 2"/>
-          <p:cNvSpPr/>
-          <p:nvPr/>
-        </p:nvSpPr>
-        <p:spPr>
-          <a:xfrm>
-            <a:off x="0" y="4572000"/>
-            <a:ext cx="7315200" cy="1828800"/>
-          </a:xfrm>
-          <a:prstGeom prst="rect">
-            <a:avLst/>
-          </a:prstGeom>
-          <a:noFill/>
-          <a:ln/>
-        </p:spPr>
-        <p:txBody>
-          <a:bodyPr wrap="square" rtlCol="0" anchor="ctr"/>
-          <a:lstStyle/>
-          <a:p>
-            <a:pPr algn="l" indent="0" marL="0">
+          <p:cNvPr id="5" name="Text 3"/>
+          <p:cNvSpPr/>
+          <p:nvPr/>
+        </p:nvSpPr>
+        <p:spPr>
+          <a:xfrm>
+            <a:off x="0" y="3657600"/>
+            <a:ext cx="8686800" cy="1828800"/>
+          </a:xfrm>
+          <a:prstGeom prst="rect">
+            <a:avLst/>
+          </a:prstGeom>
+          <a:noFill/>
+          <a:ln/>
+        </p:spPr>
+        <p:txBody>
+          <a:bodyPr wrap="square" rtlCol="0" anchor="ctr"/>
+          <a:lstStyle/>
+          <a:p>
+            <a:pPr algn="r" indent="0" marL="0">
               <a:buNone/>
             </a:pPr>
             <a:r>
               <a:rPr lang="en-US" sz="2400" dirty="0">
                 <a:solidFill>
-                  <a:srgbClr val="000000"/>
+                  <a:srgbClr val="808080"/>
                 </a:solidFill>
               </a:rPr>
               <a:t>71-72</a:t>
@@ -2091,6 +2125,42 @@
         </p:nvSpPr>
         <p:spPr>
           <a:xfrm>
+            <a:off x="0" y="548640"/>
+            <a:ext cx="9144000" cy="1828800"/>
+          </a:xfrm>
+          <a:prstGeom prst="rect">
+            <a:avLst/>
+          </a:prstGeom>
+          <a:noFill/>
+          <a:ln/>
+        </p:spPr>
+        <p:txBody>
+          <a:bodyPr wrap="square" rtlCol="0" anchor="ctr"/>
+          <a:lstStyle/>
+          <a:p>
+            <a:pPr algn="ctr" indent="0" marL="0">
+              <a:buNone/>
+            </a:pPr>
+            <a:r>
+              <a:rPr lang="en-US" sz="4800" dirty="0">
+                <a:solidFill>
+                  <a:srgbClr val="000000"/>
+                </a:solidFill>
+              </a:rPr>
+              <a:t>福祉</a:t>
+            </a:r>
+            <a:endParaRPr lang="en-US" sz="4800" dirty="0"/>
+          </a:p>
+        </p:txBody>
+      </p:sp>
+      <p:sp>
+        <p:nvSpPr>
+          <p:cNvPr id="3" name="Text 1"/>
+          <p:cNvSpPr/>
+          <p:nvPr/>
+        </p:nvSpPr>
+        <p:spPr>
+          <a:xfrm>
             <a:off x="0" y="914400"/>
             <a:ext cx="9144000" cy="1828800"/>
           </a:xfrm>
@@ -2107,35 +2177,33 @@
             <a:pPr algn="ctr" indent="0" marL="0">
               <a:buNone/>
             </a:pPr>
-            <a:r>
-              <a:rPr lang="en-US" sz="4800" dirty="0">
-                <a:solidFill>
-                  <a:srgbClr val="000000"/>
-                </a:solidFill>
-              </a:rPr>
-              <a:t>福祉</a:t>
-            </a:r>
-            <a:endParaRPr lang="en-US" sz="4800" dirty="0"/>
-          </a:p>
-          <a:p>
-            <a:pPr algn="ctr" indent="0" marL="0">
-              <a:buNone/>
-            </a:pPr>
-            <a:r>
-              <a:rPr lang="en-US" sz="4800" dirty="0">
-                <a:solidFill>
-                  <a:srgbClr val="000000"/>
+            <a:endParaRPr lang="en-US" sz="3600" dirty="0"/>
+          </a:p>
+          <a:p>
+            <a:pPr algn="ctr" indent="0" marL="0">
+              <a:buNone/>
+            </a:pPr>
+            <a:endParaRPr lang="en-US" sz="3600" dirty="0"/>
+          </a:p>
+          <a:p>
+            <a:pPr algn="ctr" indent="0" marL="0">
+              <a:buNone/>
+            </a:pPr>
+            <a:r>
+              <a:rPr lang="en-US" sz="3600" dirty="0">
+                <a:solidFill>
+                  <a:srgbClr val="404040"/>
                 </a:solidFill>
               </a:rPr>
               <a:t>ふくし</a:t>
             </a:r>
-            <a:endParaRPr lang="en-US" sz="4800" dirty="0"/>
-          </a:p>
-        </p:txBody>
-      </p:sp>
-      <p:sp>
-        <p:nvSpPr>
-          <p:cNvPr id="3" name="Text 1"/>
+            <a:endParaRPr lang="en-US" sz="3600" dirty="0"/>
+          </a:p>
+        </p:txBody>
+      </p:sp>
+      <p:sp>
+        <p:nvSpPr>
+          <p:cNvPr id="4" name="Text 2"/>
           <p:cNvSpPr/>
           <p:nvPr/>
         </p:nvSpPr>
@@ -2160,7 +2228,7 @@
             <a:r>
               <a:rPr lang="en-US" sz="3600" dirty="0">
                 <a:solidFill>
-                  <a:srgbClr val="000000"/>
+                  <a:srgbClr val="808080"/>
                 </a:solidFill>
               </a:rPr>
               <a:t>welfare, well-being, social welfare, social security, social service...</a:t>
@@ -2171,32 +2239,32 @@
       </p:sp>
       <p:sp>
         <p:nvSpPr>
-          <p:cNvPr id="4" name="Text 2"/>
-          <p:cNvSpPr/>
-          <p:nvPr/>
-        </p:nvSpPr>
-        <p:spPr>
-          <a:xfrm>
-            <a:off x="0" y="4572000"/>
-            <a:ext cx="7315200" cy="1828800"/>
-          </a:xfrm>
-          <a:prstGeom prst="rect">
-            <a:avLst/>
-          </a:prstGeom>
-          <a:noFill/>
-          <a:ln/>
-        </p:spPr>
-        <p:txBody>
-          <a:bodyPr wrap="square" rtlCol="0" anchor="ctr"/>
-          <a:lstStyle/>
-          <a:p>
-            <a:pPr algn="l" indent="0" marL="0">
+          <p:cNvPr id="5" name="Text 3"/>
+          <p:cNvSpPr/>
+          <p:nvPr/>
+        </p:nvSpPr>
+        <p:spPr>
+          <a:xfrm>
+            <a:off x="0" y="3657600"/>
+            <a:ext cx="8686800" cy="1828800"/>
+          </a:xfrm>
+          <a:prstGeom prst="rect">
+            <a:avLst/>
+          </a:prstGeom>
+          <a:noFill/>
+          <a:ln/>
+        </p:spPr>
+        <p:txBody>
+          <a:bodyPr wrap="square" rtlCol="0" anchor="ctr"/>
+          <a:lstStyle/>
+          <a:p>
+            <a:pPr algn="r" indent="0" marL="0">
               <a:buNone/>
             </a:pPr>
             <a:r>
               <a:rPr lang="en-US" sz="2400" dirty="0">
                 <a:solidFill>
-                  <a:srgbClr val="000000"/>
+                  <a:srgbClr val="808080"/>
                 </a:solidFill>
               </a:rPr>
               <a:t>71-72</a:t>
@@ -2238,6 +2306,42 @@
         </p:nvSpPr>
         <p:spPr>
           <a:xfrm>
+            <a:off x="0" y="548640"/>
+            <a:ext cx="9144000" cy="1828800"/>
+          </a:xfrm>
+          <a:prstGeom prst="rect">
+            <a:avLst/>
+          </a:prstGeom>
+          <a:noFill/>
+          <a:ln/>
+        </p:spPr>
+        <p:txBody>
+          <a:bodyPr wrap="square" rtlCol="0" anchor="ctr"/>
+          <a:lstStyle/>
+          <a:p>
+            <a:pPr algn="ctr" indent="0" marL="0">
+              <a:buNone/>
+            </a:pPr>
+            <a:r>
+              <a:rPr lang="en-US" sz="4800" dirty="0">
+                <a:solidFill>
+                  <a:srgbClr val="000000"/>
+                </a:solidFill>
+              </a:rPr>
+              <a:t>働く</a:t>
+            </a:r>
+            <a:endParaRPr lang="en-US" sz="4800" dirty="0"/>
+          </a:p>
+        </p:txBody>
+      </p:sp>
+      <p:sp>
+        <p:nvSpPr>
+          <p:cNvPr id="3" name="Text 1"/>
+          <p:cNvSpPr/>
+          <p:nvPr/>
+        </p:nvSpPr>
+        <p:spPr>
+          <a:xfrm>
             <a:off x="0" y="914400"/>
             <a:ext cx="9144000" cy="1828800"/>
           </a:xfrm>
@@ -2254,35 +2358,33 @@
             <a:pPr algn="ctr" indent="0" marL="0">
               <a:buNone/>
             </a:pPr>
-            <a:r>
-              <a:rPr lang="en-US" sz="4800" dirty="0">
-                <a:solidFill>
-                  <a:srgbClr val="000000"/>
-                </a:solidFill>
-              </a:rPr>
-              <a:t>働く</a:t>
-            </a:r>
-            <a:endParaRPr lang="en-US" sz="4800" dirty="0"/>
-          </a:p>
-          <a:p>
-            <a:pPr algn="ctr" indent="0" marL="0">
-              <a:buNone/>
-            </a:pPr>
-            <a:r>
-              <a:rPr lang="en-US" sz="4800" dirty="0">
-                <a:solidFill>
-                  <a:srgbClr val="000000"/>
+            <a:endParaRPr lang="en-US" sz="3600" dirty="0"/>
+          </a:p>
+          <a:p>
+            <a:pPr algn="ctr" indent="0" marL="0">
+              <a:buNone/>
+            </a:pPr>
+            <a:endParaRPr lang="en-US" sz="3600" dirty="0"/>
+          </a:p>
+          <a:p>
+            <a:pPr algn="ctr" indent="0" marL="0">
+              <a:buNone/>
+            </a:pPr>
+            <a:r>
+              <a:rPr lang="en-US" sz="3600" dirty="0">
+                <a:solidFill>
+                  <a:srgbClr val="404040"/>
                 </a:solidFill>
               </a:rPr>
               <a:t>はたらく</a:t>
             </a:r>
-            <a:endParaRPr lang="en-US" sz="4800" dirty="0"/>
-          </a:p>
-        </p:txBody>
-      </p:sp>
-      <p:sp>
-        <p:nvSpPr>
-          <p:cNvPr id="3" name="Text 1"/>
+            <a:endParaRPr lang="en-US" sz="3600" dirty="0"/>
+          </a:p>
+        </p:txBody>
+      </p:sp>
+      <p:sp>
+        <p:nvSpPr>
+          <p:cNvPr id="4" name="Text 2"/>
           <p:cNvSpPr/>
           <p:nvPr/>
         </p:nvSpPr>
@@ -2307,7 +2409,7 @@
             <a:r>
               <a:rPr lang="en-US" sz="3600" dirty="0">
                 <a:solidFill>
-                  <a:srgbClr val="000000"/>
+                  <a:srgbClr val="808080"/>
                 </a:solidFill>
               </a:rPr>
               <a:t>to work, to labor, to labour | to function, to operate, to be effective, to work (i.e. ... works), to come into play | to...</a:t>
@@ -2318,32 +2420,32 @@
       </p:sp>
       <p:sp>
         <p:nvSpPr>
-          <p:cNvPr id="4" name="Text 2"/>
-          <p:cNvSpPr/>
-          <p:nvPr/>
-        </p:nvSpPr>
-        <p:spPr>
-          <a:xfrm>
-            <a:off x="0" y="4572000"/>
-            <a:ext cx="7315200" cy="1828800"/>
-          </a:xfrm>
-          <a:prstGeom prst="rect">
-            <a:avLst/>
-          </a:prstGeom>
-          <a:noFill/>
-          <a:ln/>
-        </p:spPr>
-        <p:txBody>
-          <a:bodyPr wrap="square" rtlCol="0" anchor="ctr"/>
-          <a:lstStyle/>
-          <a:p>
-            <a:pPr algn="l" indent="0" marL="0">
+          <p:cNvPr id="5" name="Text 3"/>
+          <p:cNvSpPr/>
+          <p:nvPr/>
+        </p:nvSpPr>
+        <p:spPr>
+          <a:xfrm>
+            <a:off x="0" y="3657600"/>
+            <a:ext cx="8686800" cy="1828800"/>
+          </a:xfrm>
+          <a:prstGeom prst="rect">
+            <a:avLst/>
+          </a:prstGeom>
+          <a:noFill/>
+          <a:ln/>
+        </p:spPr>
+        <p:txBody>
+          <a:bodyPr wrap="square" rtlCol="0" anchor="ctr"/>
+          <a:lstStyle/>
+          <a:p>
+            <a:pPr algn="r" indent="0" marL="0">
               <a:buNone/>
             </a:pPr>
             <a:r>
               <a:rPr lang="en-US" sz="2400" dirty="0">
                 <a:solidFill>
-                  <a:srgbClr val="000000"/>
+                  <a:srgbClr val="808080"/>
                 </a:solidFill>
               </a:rPr>
               <a:t>71-72</a:t>
@@ -2385,6 +2487,42 @@
         </p:nvSpPr>
         <p:spPr>
           <a:xfrm>
+            <a:off x="0" y="548640"/>
+            <a:ext cx="9144000" cy="1828800"/>
+          </a:xfrm>
+          <a:prstGeom prst="rect">
+            <a:avLst/>
+          </a:prstGeom>
+          <a:noFill/>
+          <a:ln/>
+        </p:spPr>
+        <p:txBody>
+          <a:bodyPr wrap="square" rtlCol="0" anchor="ctr"/>
+          <a:lstStyle/>
+          <a:p>
+            <a:pPr algn="ctr" indent="0" marL="0">
+              <a:buNone/>
+            </a:pPr>
+            <a:r>
+              <a:rPr lang="en-US" sz="4800" dirty="0">
+                <a:solidFill>
+                  <a:srgbClr val="000000"/>
+                </a:solidFill>
+              </a:rPr>
+              <a:t>実働</a:t>
+            </a:r>
+            <a:endParaRPr lang="en-US" sz="4800" dirty="0"/>
+          </a:p>
+        </p:txBody>
+      </p:sp>
+      <p:sp>
+        <p:nvSpPr>
+          <p:cNvPr id="3" name="Text 1"/>
+          <p:cNvSpPr/>
+          <p:nvPr/>
+        </p:nvSpPr>
+        <p:spPr>
+          <a:xfrm>
             <a:off x="0" y="914400"/>
             <a:ext cx="9144000" cy="1828800"/>
           </a:xfrm>
@@ -2401,35 +2539,33 @@
             <a:pPr algn="ctr" indent="0" marL="0">
               <a:buNone/>
             </a:pPr>
-            <a:r>
-              <a:rPr lang="en-US" sz="4800" dirty="0">
-                <a:solidFill>
-                  <a:srgbClr val="000000"/>
-                </a:solidFill>
-              </a:rPr>
-              <a:t>実働</a:t>
-            </a:r>
-            <a:endParaRPr lang="en-US" sz="4800" dirty="0"/>
-          </a:p>
-          <a:p>
-            <a:pPr algn="ctr" indent="0" marL="0">
-              <a:buNone/>
-            </a:pPr>
-            <a:r>
-              <a:rPr lang="en-US" sz="4800" dirty="0">
-                <a:solidFill>
-                  <a:srgbClr val="000000"/>
+            <a:endParaRPr lang="en-US" sz="3600" dirty="0"/>
+          </a:p>
+          <a:p>
+            <a:pPr algn="ctr" indent="0" marL="0">
+              <a:buNone/>
+            </a:pPr>
+            <a:endParaRPr lang="en-US" sz="3600" dirty="0"/>
+          </a:p>
+          <a:p>
+            <a:pPr algn="ctr" indent="0" marL="0">
+              <a:buNone/>
+            </a:pPr>
+            <a:r>
+              <a:rPr lang="en-US" sz="3600" dirty="0">
+                <a:solidFill>
+                  <a:srgbClr val="404040"/>
                 </a:solidFill>
               </a:rPr>
               <a:t>じつどう</a:t>
             </a:r>
-            <a:endParaRPr lang="en-US" sz="4800" dirty="0"/>
-          </a:p>
-        </p:txBody>
-      </p:sp>
-      <p:sp>
-        <p:nvSpPr>
-          <p:cNvPr id="3" name="Text 1"/>
+            <a:endParaRPr lang="en-US" sz="3600" dirty="0"/>
+          </a:p>
+        </p:txBody>
+      </p:sp>
+      <p:sp>
+        <p:nvSpPr>
+          <p:cNvPr id="4" name="Text 2"/>
           <p:cNvSpPr/>
           <p:nvPr/>
         </p:nvSpPr>
@@ -2454,7 +2590,7 @@
             <a:r>
               <a:rPr lang="en-US" sz="3600" dirty="0">
                 <a:solidFill>
-                  <a:srgbClr val="000000"/>
+                  <a:srgbClr val="808080"/>
                 </a:solidFill>
               </a:rPr>
               <a:t>actual work...</a:t>
@@ -2465,32 +2601,32 @@
       </p:sp>
       <p:sp>
         <p:nvSpPr>
-          <p:cNvPr id="4" name="Text 2"/>
-          <p:cNvSpPr/>
-          <p:nvPr/>
-        </p:nvSpPr>
-        <p:spPr>
-          <a:xfrm>
-            <a:off x="0" y="4572000"/>
-            <a:ext cx="7315200" cy="1828800"/>
-          </a:xfrm>
-          <a:prstGeom prst="rect">
-            <a:avLst/>
-          </a:prstGeom>
-          <a:noFill/>
-          <a:ln/>
-        </p:spPr>
-        <p:txBody>
-          <a:bodyPr wrap="square" rtlCol="0" anchor="ctr"/>
-          <a:lstStyle/>
-          <a:p>
-            <a:pPr algn="l" indent="0" marL="0">
+          <p:cNvPr id="5" name="Text 3"/>
+          <p:cNvSpPr/>
+          <p:nvPr/>
+        </p:nvSpPr>
+        <p:spPr>
+          <a:xfrm>
+            <a:off x="0" y="3657600"/>
+            <a:ext cx="8686800" cy="1828800"/>
+          </a:xfrm>
+          <a:prstGeom prst="rect">
+            <a:avLst/>
+          </a:prstGeom>
+          <a:noFill/>
+          <a:ln/>
+        </p:spPr>
+        <p:txBody>
+          <a:bodyPr wrap="square" rtlCol="0" anchor="ctr"/>
+          <a:lstStyle/>
+          <a:p>
+            <a:pPr algn="r" indent="0" marL="0">
               <a:buNone/>
             </a:pPr>
             <a:r>
               <a:rPr lang="en-US" sz="2400" dirty="0">
                 <a:solidFill>
-                  <a:srgbClr val="000000"/>
+                  <a:srgbClr val="808080"/>
                 </a:solidFill>
               </a:rPr>
               <a:t>71-72</a:t>
@@ -2532,6 +2668,42 @@
         </p:nvSpPr>
         <p:spPr>
           <a:xfrm>
+            <a:off x="0" y="548640"/>
+            <a:ext cx="9144000" cy="1828800"/>
+          </a:xfrm>
+          <a:prstGeom prst="rect">
+            <a:avLst/>
+          </a:prstGeom>
+          <a:noFill/>
+          <a:ln/>
+        </p:spPr>
+        <p:txBody>
+          <a:bodyPr wrap="square" rtlCol="0" anchor="ctr"/>
+          <a:lstStyle/>
+          <a:p>
+            <a:pPr algn="ctr" indent="0" marL="0">
+              <a:buNone/>
+            </a:pPr>
+            <a:r>
+              <a:rPr lang="en-US" sz="4800" dirty="0">
+                <a:solidFill>
+                  <a:srgbClr val="000000"/>
+                </a:solidFill>
+              </a:rPr>
+              <a:t>政策</a:t>
+            </a:r>
+            <a:endParaRPr lang="en-US" sz="4800" dirty="0"/>
+          </a:p>
+        </p:txBody>
+      </p:sp>
+      <p:sp>
+        <p:nvSpPr>
+          <p:cNvPr id="3" name="Text 1"/>
+          <p:cNvSpPr/>
+          <p:nvPr/>
+        </p:nvSpPr>
+        <p:spPr>
+          <a:xfrm>
             <a:off x="0" y="914400"/>
             <a:ext cx="9144000" cy="1828800"/>
           </a:xfrm>
@@ -2548,35 +2720,33 @@
             <a:pPr algn="ctr" indent="0" marL="0">
               <a:buNone/>
             </a:pPr>
-            <a:r>
-              <a:rPr lang="en-US" sz="4800" dirty="0">
-                <a:solidFill>
-                  <a:srgbClr val="000000"/>
-                </a:solidFill>
-              </a:rPr>
-              <a:t>政策</a:t>
-            </a:r>
-            <a:endParaRPr lang="en-US" sz="4800" dirty="0"/>
-          </a:p>
-          <a:p>
-            <a:pPr algn="ctr" indent="0" marL="0">
-              <a:buNone/>
-            </a:pPr>
-            <a:r>
-              <a:rPr lang="en-US" sz="4800" dirty="0">
-                <a:solidFill>
-                  <a:srgbClr val="000000"/>
+            <a:endParaRPr lang="en-US" sz="3600" dirty="0"/>
+          </a:p>
+          <a:p>
+            <a:pPr algn="ctr" indent="0" marL="0">
+              <a:buNone/>
+            </a:pPr>
+            <a:endParaRPr lang="en-US" sz="3600" dirty="0"/>
+          </a:p>
+          <a:p>
+            <a:pPr algn="ctr" indent="0" marL="0">
+              <a:buNone/>
+            </a:pPr>
+            <a:r>
+              <a:rPr lang="en-US" sz="3600" dirty="0">
+                <a:solidFill>
+                  <a:srgbClr val="404040"/>
                 </a:solidFill>
               </a:rPr>
               <a:t>せいさく</a:t>
             </a:r>
-            <a:endParaRPr lang="en-US" sz="4800" dirty="0"/>
-          </a:p>
-        </p:txBody>
-      </p:sp>
-      <p:sp>
-        <p:nvSpPr>
-          <p:cNvPr id="3" name="Text 1"/>
+            <a:endParaRPr lang="en-US" sz="3600" dirty="0"/>
+          </a:p>
+        </p:txBody>
+      </p:sp>
+      <p:sp>
+        <p:nvSpPr>
+          <p:cNvPr id="4" name="Text 2"/>
           <p:cNvSpPr/>
           <p:nvPr/>
         </p:nvSpPr>
@@ -2601,7 +2771,7 @@
             <a:r>
               <a:rPr lang="en-US" sz="3600" dirty="0">
                 <a:solidFill>
-                  <a:srgbClr val="000000"/>
+                  <a:srgbClr val="808080"/>
                 </a:solidFill>
               </a:rPr>
               <a:t>political measures, policy...</a:t>
@@ -2612,32 +2782,32 @@
       </p:sp>
       <p:sp>
         <p:nvSpPr>
-          <p:cNvPr id="4" name="Text 2"/>
-          <p:cNvSpPr/>
-          <p:nvPr/>
-        </p:nvSpPr>
-        <p:spPr>
-          <a:xfrm>
-            <a:off x="0" y="4572000"/>
-            <a:ext cx="7315200" cy="1828800"/>
-          </a:xfrm>
-          <a:prstGeom prst="rect">
-            <a:avLst/>
-          </a:prstGeom>
-          <a:noFill/>
-          <a:ln/>
-        </p:spPr>
-        <p:txBody>
-          <a:bodyPr wrap="square" rtlCol="0" anchor="ctr"/>
-          <a:lstStyle/>
-          <a:p>
-            <a:pPr algn="l" indent="0" marL="0">
+          <p:cNvPr id="5" name="Text 3"/>
+          <p:cNvSpPr/>
+          <p:nvPr/>
+        </p:nvSpPr>
+        <p:spPr>
+          <a:xfrm>
+            <a:off x="0" y="3657600"/>
+            <a:ext cx="8686800" cy="1828800"/>
+          </a:xfrm>
+          <a:prstGeom prst="rect">
+            <a:avLst/>
+          </a:prstGeom>
+          <a:noFill/>
+          <a:ln/>
+        </p:spPr>
+        <p:txBody>
+          <a:bodyPr wrap="square" rtlCol="0" anchor="ctr"/>
+          <a:lstStyle/>
+          <a:p>
+            <a:pPr algn="r" indent="0" marL="0">
               <a:buNone/>
             </a:pPr>
             <a:r>
               <a:rPr lang="en-US" sz="2400" dirty="0">
                 <a:solidFill>
-                  <a:srgbClr val="000000"/>
+                  <a:srgbClr val="808080"/>
                 </a:solidFill>
               </a:rPr>
               <a:t>71-72</a:t>
@@ -2679,6 +2849,42 @@
         </p:nvSpPr>
         <p:spPr>
           <a:xfrm>
+            <a:off x="0" y="548640"/>
+            <a:ext cx="9144000" cy="1828800"/>
+          </a:xfrm>
+          <a:prstGeom prst="rect">
+            <a:avLst/>
+          </a:prstGeom>
+          <a:noFill/>
+          <a:ln/>
+        </p:spPr>
+        <p:txBody>
+          <a:bodyPr wrap="square" rtlCol="0" anchor="ctr"/>
+          <a:lstStyle/>
+          <a:p>
+            <a:pPr algn="ctr" indent="0" marL="0">
+              <a:buNone/>
+            </a:pPr>
+            <a:r>
+              <a:rPr lang="en-US" sz="4800" dirty="0">
+                <a:solidFill>
+                  <a:srgbClr val="000000"/>
+                </a:solidFill>
+              </a:rPr>
+              <a:t>携帯</a:t>
+            </a:r>
+            <a:endParaRPr lang="en-US" sz="4800" dirty="0"/>
+          </a:p>
+        </p:txBody>
+      </p:sp>
+      <p:sp>
+        <p:nvSpPr>
+          <p:cNvPr id="3" name="Text 1"/>
+          <p:cNvSpPr/>
+          <p:nvPr/>
+        </p:nvSpPr>
+        <p:spPr>
+          <a:xfrm>
             <a:off x="0" y="914400"/>
             <a:ext cx="9144000" cy="1828800"/>
           </a:xfrm>
@@ -2695,35 +2901,33 @@
             <a:pPr algn="ctr" indent="0" marL="0">
               <a:buNone/>
             </a:pPr>
-            <a:r>
-              <a:rPr lang="en-US" sz="4800" dirty="0">
-                <a:solidFill>
-                  <a:srgbClr val="000000"/>
-                </a:solidFill>
-              </a:rPr>
-              <a:t>携帯</a:t>
-            </a:r>
-            <a:endParaRPr lang="en-US" sz="4800" dirty="0"/>
-          </a:p>
-          <a:p>
-            <a:pPr algn="ctr" indent="0" marL="0">
-              <a:buNone/>
-            </a:pPr>
-            <a:r>
-              <a:rPr lang="en-US" sz="4800" dirty="0">
-                <a:solidFill>
-                  <a:srgbClr val="000000"/>
+            <a:endParaRPr lang="en-US" sz="3600" dirty="0"/>
+          </a:p>
+          <a:p>
+            <a:pPr algn="ctr" indent="0" marL="0">
+              <a:buNone/>
+            </a:pPr>
+            <a:endParaRPr lang="en-US" sz="3600" dirty="0"/>
+          </a:p>
+          <a:p>
+            <a:pPr algn="ctr" indent="0" marL="0">
+              <a:buNone/>
+            </a:pPr>
+            <a:r>
+              <a:rPr lang="en-US" sz="3600" dirty="0">
+                <a:solidFill>
+                  <a:srgbClr val="404040"/>
                 </a:solidFill>
               </a:rPr>
               <a:t>けいたい</a:t>
             </a:r>
-            <a:endParaRPr lang="en-US" sz="4800" dirty="0"/>
-          </a:p>
-        </p:txBody>
-      </p:sp>
-      <p:sp>
-        <p:nvSpPr>
-          <p:cNvPr id="3" name="Text 1"/>
+            <a:endParaRPr lang="en-US" sz="3600" dirty="0"/>
+          </a:p>
+        </p:txBody>
+      </p:sp>
+      <p:sp>
+        <p:nvSpPr>
+          <p:cNvPr id="4" name="Text 2"/>
           <p:cNvSpPr/>
           <p:nvPr/>
         </p:nvSpPr>
@@ -2748,7 +2952,7 @@
             <a:r>
               <a:rPr lang="en-US" sz="3600" dirty="0">
                 <a:solidFill>
-                  <a:srgbClr val="000000"/>
+                  <a:srgbClr val="808080"/>
                 </a:solidFill>
               </a:rPr>
               <a:t>carrying (on one's person or in the hand) | mobile phone, cell phone...</a:t>
@@ -2759,32 +2963,32 @@
       </p:sp>
       <p:sp>
         <p:nvSpPr>
-          <p:cNvPr id="4" name="Text 2"/>
-          <p:cNvSpPr/>
-          <p:nvPr/>
-        </p:nvSpPr>
-        <p:spPr>
-          <a:xfrm>
-            <a:off x="0" y="4572000"/>
-            <a:ext cx="7315200" cy="1828800"/>
-          </a:xfrm>
-          <a:prstGeom prst="rect">
-            <a:avLst/>
-          </a:prstGeom>
-          <a:noFill/>
-          <a:ln/>
-        </p:spPr>
-        <p:txBody>
-          <a:bodyPr wrap="square" rtlCol="0" anchor="ctr"/>
-          <a:lstStyle/>
-          <a:p>
-            <a:pPr algn="l" indent="0" marL="0">
+          <p:cNvPr id="5" name="Text 3"/>
+          <p:cNvSpPr/>
+          <p:nvPr/>
+        </p:nvSpPr>
+        <p:spPr>
+          <a:xfrm>
+            <a:off x="0" y="3657600"/>
+            <a:ext cx="8686800" cy="1828800"/>
+          </a:xfrm>
+          <a:prstGeom prst="rect">
+            <a:avLst/>
+          </a:prstGeom>
+          <a:noFill/>
+          <a:ln/>
+        </p:spPr>
+        <p:txBody>
+          <a:bodyPr wrap="square" rtlCol="0" anchor="ctr"/>
+          <a:lstStyle/>
+          <a:p>
+            <a:pPr algn="r" indent="0" marL="0">
               <a:buNone/>
             </a:pPr>
             <a:r>
               <a:rPr lang="en-US" sz="2400" dirty="0">
                 <a:solidFill>
-                  <a:srgbClr val="000000"/>
+                  <a:srgbClr val="808080"/>
                 </a:solidFill>
               </a:rPr>
               <a:t>71-72</a:t>
@@ -2826,6 +3030,42 @@
         </p:nvSpPr>
         <p:spPr>
           <a:xfrm>
+            <a:off x="0" y="548640"/>
+            <a:ext cx="9144000" cy="1828800"/>
+          </a:xfrm>
+          <a:prstGeom prst="rect">
+            <a:avLst/>
+          </a:prstGeom>
+          <a:noFill/>
+          <a:ln/>
+        </p:spPr>
+        <p:txBody>
+          <a:bodyPr wrap="square" rtlCol="0" anchor="ctr"/>
+          <a:lstStyle/>
+          <a:p>
+            <a:pPr algn="ctr" indent="0" marL="0">
+              <a:buNone/>
+            </a:pPr>
+            <a:r>
+              <a:rPr lang="en-US" sz="4800" dirty="0">
+                <a:solidFill>
+                  <a:srgbClr val="000000"/>
+                </a:solidFill>
+              </a:rPr>
+              <a:t>夢</a:t>
+            </a:r>
+            <a:endParaRPr lang="en-US" sz="4800" dirty="0"/>
+          </a:p>
+        </p:txBody>
+      </p:sp>
+      <p:sp>
+        <p:nvSpPr>
+          <p:cNvPr id="3" name="Text 1"/>
+          <p:cNvSpPr/>
+          <p:nvPr/>
+        </p:nvSpPr>
+        <p:spPr>
+          <a:xfrm>
             <a:off x="0" y="914400"/>
             <a:ext cx="9144000" cy="1828800"/>
           </a:xfrm>
@@ -2842,35 +3082,33 @@
             <a:pPr algn="ctr" indent="0" marL="0">
               <a:buNone/>
             </a:pPr>
-            <a:r>
-              <a:rPr lang="en-US" sz="4800" dirty="0">
-                <a:solidFill>
-                  <a:srgbClr val="000000"/>
-                </a:solidFill>
-              </a:rPr>
-              <a:t>夢</a:t>
-            </a:r>
-            <a:endParaRPr lang="en-US" sz="4800" dirty="0"/>
-          </a:p>
-          <a:p>
-            <a:pPr algn="ctr" indent="0" marL="0">
-              <a:buNone/>
-            </a:pPr>
-            <a:r>
-              <a:rPr lang="en-US" sz="4800" dirty="0">
-                <a:solidFill>
-                  <a:srgbClr val="000000"/>
+            <a:endParaRPr lang="en-US" sz="3600" dirty="0"/>
+          </a:p>
+          <a:p>
+            <a:pPr algn="ctr" indent="0" marL="0">
+              <a:buNone/>
+            </a:pPr>
+            <a:endParaRPr lang="en-US" sz="3600" dirty="0"/>
+          </a:p>
+          <a:p>
+            <a:pPr algn="ctr" indent="0" marL="0">
+              <a:buNone/>
+            </a:pPr>
+            <a:r>
+              <a:rPr lang="en-US" sz="3600" dirty="0">
+                <a:solidFill>
+                  <a:srgbClr val="404040"/>
                 </a:solidFill>
               </a:rPr>
               <a:t>ゆめ</a:t>
             </a:r>
-            <a:endParaRPr lang="en-US" sz="4800" dirty="0"/>
-          </a:p>
-        </p:txBody>
-      </p:sp>
-      <p:sp>
-        <p:nvSpPr>
-          <p:cNvPr id="3" name="Text 1"/>
+            <a:endParaRPr lang="en-US" sz="3600" dirty="0"/>
+          </a:p>
+        </p:txBody>
+      </p:sp>
+      <p:sp>
+        <p:nvSpPr>
+          <p:cNvPr id="4" name="Text 2"/>
           <p:cNvSpPr/>
           <p:nvPr/>
         </p:nvSpPr>
@@ -2895,7 +3133,7 @@
             <a:r>
               <a:rPr lang="en-US" sz="3600" dirty="0">
                 <a:solidFill>
-                  <a:srgbClr val="000000"/>
+                  <a:srgbClr val="808080"/>
                 </a:solidFill>
               </a:rPr>
               <a:t>dream...</a:t>
@@ -2906,32 +3144,32 @@
       </p:sp>
       <p:sp>
         <p:nvSpPr>
-          <p:cNvPr id="4" name="Text 2"/>
-          <p:cNvSpPr/>
-          <p:nvPr/>
-        </p:nvSpPr>
-        <p:spPr>
-          <a:xfrm>
-            <a:off x="0" y="4572000"/>
-            <a:ext cx="7315200" cy="1828800"/>
-          </a:xfrm>
-          <a:prstGeom prst="rect">
-            <a:avLst/>
-          </a:prstGeom>
-          <a:noFill/>
-          <a:ln/>
-        </p:spPr>
-        <p:txBody>
-          <a:bodyPr wrap="square" rtlCol="0" anchor="ctr"/>
-          <a:lstStyle/>
-          <a:p>
-            <a:pPr algn="l" indent="0" marL="0">
+          <p:cNvPr id="5" name="Text 3"/>
+          <p:cNvSpPr/>
+          <p:nvPr/>
+        </p:nvSpPr>
+        <p:spPr>
+          <a:xfrm>
+            <a:off x="0" y="3657600"/>
+            <a:ext cx="8686800" cy="1828800"/>
+          </a:xfrm>
+          <a:prstGeom prst="rect">
+            <a:avLst/>
+          </a:prstGeom>
+          <a:noFill/>
+          <a:ln/>
+        </p:spPr>
+        <p:txBody>
+          <a:bodyPr wrap="square" rtlCol="0" anchor="ctr"/>
+          <a:lstStyle/>
+          <a:p>
+            <a:pPr algn="r" indent="0" marL="0">
               <a:buNone/>
             </a:pPr>
             <a:r>
               <a:rPr lang="en-US" sz="2400" dirty="0">
                 <a:solidFill>
-                  <a:srgbClr val="000000"/>
+                  <a:srgbClr val="808080"/>
                 </a:solidFill>
               </a:rPr>
               <a:t>71-72</a:t>
@@ -2973,6 +3211,42 @@
         </p:nvSpPr>
         <p:spPr>
           <a:xfrm>
+            <a:off x="0" y="548640"/>
+            <a:ext cx="9144000" cy="1828800"/>
+          </a:xfrm>
+          <a:prstGeom prst="rect">
+            <a:avLst/>
+          </a:prstGeom>
+          <a:noFill/>
+          <a:ln/>
+        </p:spPr>
+        <p:txBody>
+          <a:bodyPr wrap="square" rtlCol="0" anchor="ctr"/>
+          <a:lstStyle/>
+          <a:p>
+            <a:pPr algn="ctr" indent="0" marL="0">
+              <a:buNone/>
+            </a:pPr>
+            <a:r>
+              <a:rPr lang="en-US" sz="4800" dirty="0">
+                <a:solidFill>
+                  <a:srgbClr val="000000"/>
+                </a:solidFill>
+              </a:rPr>
+              <a:t>夢中</a:t>
+            </a:r>
+            <a:endParaRPr lang="en-US" sz="4800" dirty="0"/>
+          </a:p>
+        </p:txBody>
+      </p:sp>
+      <p:sp>
+        <p:nvSpPr>
+          <p:cNvPr id="3" name="Text 1"/>
+          <p:cNvSpPr/>
+          <p:nvPr/>
+        </p:nvSpPr>
+        <p:spPr>
+          <a:xfrm>
             <a:off x="0" y="914400"/>
             <a:ext cx="9144000" cy="1828800"/>
           </a:xfrm>
@@ -2989,35 +3263,33 @@
             <a:pPr algn="ctr" indent="0" marL="0">
               <a:buNone/>
             </a:pPr>
-            <a:r>
-              <a:rPr lang="en-US" sz="4800" dirty="0">
-                <a:solidFill>
-                  <a:srgbClr val="000000"/>
-                </a:solidFill>
-              </a:rPr>
-              <a:t>夢中</a:t>
-            </a:r>
-            <a:endParaRPr lang="en-US" sz="4800" dirty="0"/>
-          </a:p>
-          <a:p>
-            <a:pPr algn="ctr" indent="0" marL="0">
-              <a:buNone/>
-            </a:pPr>
-            <a:r>
-              <a:rPr lang="en-US" sz="4800" dirty="0">
-                <a:solidFill>
-                  <a:srgbClr val="000000"/>
+            <a:endParaRPr lang="en-US" sz="3600" dirty="0"/>
+          </a:p>
+          <a:p>
+            <a:pPr algn="ctr" indent="0" marL="0">
+              <a:buNone/>
+            </a:pPr>
+            <a:endParaRPr lang="en-US" sz="3600" dirty="0"/>
+          </a:p>
+          <a:p>
+            <a:pPr algn="ctr" indent="0" marL="0">
+              <a:buNone/>
+            </a:pPr>
+            <a:r>
+              <a:rPr lang="en-US" sz="3600" dirty="0">
+                <a:solidFill>
+                  <a:srgbClr val="404040"/>
                 </a:solidFill>
               </a:rPr>
               <a:t>むちゅう</a:t>
             </a:r>
-            <a:endParaRPr lang="en-US" sz="4800" dirty="0"/>
-          </a:p>
-        </p:txBody>
-      </p:sp>
-      <p:sp>
-        <p:nvSpPr>
-          <p:cNvPr id="3" name="Text 1"/>
+            <a:endParaRPr lang="en-US" sz="3600" dirty="0"/>
+          </a:p>
+        </p:txBody>
+      </p:sp>
+      <p:sp>
+        <p:nvSpPr>
+          <p:cNvPr id="4" name="Text 2"/>
           <p:cNvSpPr/>
           <p:nvPr/>
         </p:nvSpPr>
@@ -3042,7 +3314,7 @@
             <a:r>
               <a:rPr lang="en-US" sz="3600" dirty="0">
                 <a:solidFill>
-                  <a:srgbClr val="000000"/>
+                  <a:srgbClr val="808080"/>
                 </a:solidFill>
               </a:rPr>
               <a:t>absorbed in, immersed in, crazy about, obsessed with, devoted to | forgetting oneself, daze, trance, ecstasy, delirium | ...</a:t>
@@ -3053,32 +3325,32 @@
       </p:sp>
       <p:sp>
         <p:nvSpPr>
-          <p:cNvPr id="4" name="Text 2"/>
-          <p:cNvSpPr/>
-          <p:nvPr/>
-        </p:nvSpPr>
-        <p:spPr>
-          <a:xfrm>
-            <a:off x="0" y="4572000"/>
-            <a:ext cx="7315200" cy="1828800"/>
-          </a:xfrm>
-          <a:prstGeom prst="rect">
-            <a:avLst/>
-          </a:prstGeom>
-          <a:noFill/>
-          <a:ln/>
-        </p:spPr>
-        <p:txBody>
-          <a:bodyPr wrap="square" rtlCol="0" anchor="ctr"/>
-          <a:lstStyle/>
-          <a:p>
-            <a:pPr algn="l" indent="0" marL="0">
+          <p:cNvPr id="5" name="Text 3"/>
+          <p:cNvSpPr/>
+          <p:nvPr/>
+        </p:nvSpPr>
+        <p:spPr>
+          <a:xfrm>
+            <a:off x="0" y="3657600"/>
+            <a:ext cx="8686800" cy="1828800"/>
+          </a:xfrm>
+          <a:prstGeom prst="rect">
+            <a:avLst/>
+          </a:prstGeom>
+          <a:noFill/>
+          <a:ln/>
+        </p:spPr>
+        <p:txBody>
+          <a:bodyPr wrap="square" rtlCol="0" anchor="ctr"/>
+          <a:lstStyle/>
+          <a:p>
+            <a:pPr algn="r" indent="0" marL="0">
               <a:buNone/>
             </a:pPr>
             <a:r>
               <a:rPr lang="en-US" sz="2400" dirty="0">
                 <a:solidFill>
-                  <a:srgbClr val="000000"/>
+                  <a:srgbClr val="808080"/>
                 </a:solidFill>
               </a:rPr>
               <a:t>71-72</a:t>
@@ -3120,6 +3392,42 @@
         </p:nvSpPr>
         <p:spPr>
           <a:xfrm>
+            <a:off x="0" y="548640"/>
+            <a:ext cx="9144000" cy="1828800"/>
+          </a:xfrm>
+          <a:prstGeom prst="rect">
+            <a:avLst/>
+          </a:prstGeom>
+          <a:noFill/>
+          <a:ln/>
+        </p:spPr>
+        <p:txBody>
+          <a:bodyPr wrap="square" rtlCol="0" anchor="ctr"/>
+          <a:lstStyle/>
+          <a:p>
+            <a:pPr algn="ctr" indent="0" marL="0">
+              <a:buNone/>
+            </a:pPr>
+            <a:r>
+              <a:rPr lang="en-US" sz="4800" dirty="0">
+                <a:solidFill>
+                  <a:srgbClr val="000000"/>
+                </a:solidFill>
+              </a:rPr>
+              <a:t>校舎</a:t>
+            </a:r>
+            <a:endParaRPr lang="en-US" sz="4800" dirty="0"/>
+          </a:p>
+        </p:txBody>
+      </p:sp>
+      <p:sp>
+        <p:nvSpPr>
+          <p:cNvPr id="3" name="Text 1"/>
+          <p:cNvSpPr/>
+          <p:nvPr/>
+        </p:nvSpPr>
+        <p:spPr>
+          <a:xfrm>
             <a:off x="0" y="914400"/>
             <a:ext cx="9144000" cy="1828800"/>
           </a:xfrm>
@@ -3136,35 +3444,33 @@
             <a:pPr algn="ctr" indent="0" marL="0">
               <a:buNone/>
             </a:pPr>
-            <a:r>
-              <a:rPr lang="en-US" sz="4800" dirty="0">
-                <a:solidFill>
-                  <a:srgbClr val="000000"/>
-                </a:solidFill>
-              </a:rPr>
-              <a:t>校舎</a:t>
-            </a:r>
-            <a:endParaRPr lang="en-US" sz="4800" dirty="0"/>
-          </a:p>
-          <a:p>
-            <a:pPr algn="ctr" indent="0" marL="0">
-              <a:buNone/>
-            </a:pPr>
-            <a:r>
-              <a:rPr lang="en-US" sz="4800" dirty="0">
-                <a:solidFill>
-                  <a:srgbClr val="000000"/>
+            <a:endParaRPr lang="en-US" sz="3600" dirty="0"/>
+          </a:p>
+          <a:p>
+            <a:pPr algn="ctr" indent="0" marL="0">
+              <a:buNone/>
+            </a:pPr>
+            <a:endParaRPr lang="en-US" sz="3600" dirty="0"/>
+          </a:p>
+          <a:p>
+            <a:pPr algn="ctr" indent="0" marL="0">
+              <a:buNone/>
+            </a:pPr>
+            <a:r>
+              <a:rPr lang="en-US" sz="3600" dirty="0">
+                <a:solidFill>
+                  <a:srgbClr val="404040"/>
                 </a:solidFill>
               </a:rPr>
               <a:t>こうしゃ</a:t>
             </a:r>
-            <a:endParaRPr lang="en-US" sz="4800" dirty="0"/>
-          </a:p>
-        </p:txBody>
-      </p:sp>
-      <p:sp>
-        <p:nvSpPr>
-          <p:cNvPr id="3" name="Text 1"/>
+            <a:endParaRPr lang="en-US" sz="3600" dirty="0"/>
+          </a:p>
+        </p:txBody>
+      </p:sp>
+      <p:sp>
+        <p:nvSpPr>
+          <p:cNvPr id="4" name="Text 2"/>
           <p:cNvSpPr/>
           <p:nvPr/>
         </p:nvSpPr>
@@ -3189,7 +3495,7 @@
             <a:r>
               <a:rPr lang="en-US" sz="3600" dirty="0">
                 <a:solidFill>
-                  <a:srgbClr val="000000"/>
+                  <a:srgbClr val="808080"/>
                 </a:solidFill>
               </a:rPr>
               <a:t>school building, schoolhouse...</a:t>
@@ -3200,32 +3506,32 @@
       </p:sp>
       <p:sp>
         <p:nvSpPr>
-          <p:cNvPr id="4" name="Text 2"/>
-          <p:cNvSpPr/>
-          <p:nvPr/>
-        </p:nvSpPr>
-        <p:spPr>
-          <a:xfrm>
-            <a:off x="0" y="4572000"/>
-            <a:ext cx="7315200" cy="1828800"/>
-          </a:xfrm>
-          <a:prstGeom prst="rect">
-            <a:avLst/>
-          </a:prstGeom>
-          <a:noFill/>
-          <a:ln/>
-        </p:spPr>
-        <p:txBody>
-          <a:bodyPr wrap="square" rtlCol="0" anchor="ctr"/>
-          <a:lstStyle/>
-          <a:p>
-            <a:pPr algn="l" indent="0" marL="0">
+          <p:cNvPr id="5" name="Text 3"/>
+          <p:cNvSpPr/>
+          <p:nvPr/>
+        </p:nvSpPr>
+        <p:spPr>
+          <a:xfrm>
+            <a:off x="0" y="3657600"/>
+            <a:ext cx="8686800" cy="1828800"/>
+          </a:xfrm>
+          <a:prstGeom prst="rect">
+            <a:avLst/>
+          </a:prstGeom>
+          <a:noFill/>
+          <a:ln/>
+        </p:spPr>
+        <p:txBody>
+          <a:bodyPr wrap="square" rtlCol="0" anchor="ctr"/>
+          <a:lstStyle/>
+          <a:p>
+            <a:pPr algn="r" indent="0" marL="0">
               <a:buNone/>
             </a:pPr>
             <a:r>
               <a:rPr lang="en-US" sz="2400" dirty="0">
                 <a:solidFill>
-                  <a:srgbClr val="000000"/>
+                  <a:srgbClr val="808080"/>
                 </a:solidFill>
               </a:rPr>
               <a:t>71-72</a:t>
@@ -3267,6 +3573,42 @@
         </p:nvSpPr>
         <p:spPr>
           <a:xfrm>
+            <a:off x="0" y="548640"/>
+            <a:ext cx="9144000" cy="1828800"/>
+          </a:xfrm>
+          <a:prstGeom prst="rect">
+            <a:avLst/>
+          </a:prstGeom>
+          <a:noFill/>
+          <a:ln/>
+        </p:spPr>
+        <p:txBody>
+          <a:bodyPr wrap="square" rtlCol="0" anchor="ctr"/>
+          <a:lstStyle/>
+          <a:p>
+            <a:pPr algn="ctr" indent="0" marL="0">
+              <a:buNone/>
+            </a:pPr>
+            <a:r>
+              <a:rPr lang="en-US" sz="4800" dirty="0">
+                <a:solidFill>
+                  <a:srgbClr val="000000"/>
+                </a:solidFill>
+              </a:rPr>
+              <a:t>田舎</a:t>
+            </a:r>
+            <a:endParaRPr lang="en-US" sz="4800" dirty="0"/>
+          </a:p>
+        </p:txBody>
+      </p:sp>
+      <p:sp>
+        <p:nvSpPr>
+          <p:cNvPr id="3" name="Text 1"/>
+          <p:cNvSpPr/>
+          <p:nvPr/>
+        </p:nvSpPr>
+        <p:spPr>
+          <a:xfrm>
             <a:off x="0" y="914400"/>
             <a:ext cx="9144000" cy="1828800"/>
           </a:xfrm>
@@ -3283,35 +3625,33 @@
             <a:pPr algn="ctr" indent="0" marL="0">
               <a:buNone/>
             </a:pPr>
-            <a:r>
-              <a:rPr lang="en-US" sz="4800" dirty="0">
-                <a:solidFill>
-                  <a:srgbClr val="000000"/>
-                </a:solidFill>
-              </a:rPr>
-              <a:t>田舎</a:t>
-            </a:r>
-            <a:endParaRPr lang="en-US" sz="4800" dirty="0"/>
-          </a:p>
-          <a:p>
-            <a:pPr algn="ctr" indent="0" marL="0">
-              <a:buNone/>
-            </a:pPr>
-            <a:r>
-              <a:rPr lang="en-US" sz="4800" dirty="0">
-                <a:solidFill>
-                  <a:srgbClr val="000000"/>
+            <a:endParaRPr lang="en-US" sz="3600" dirty="0"/>
+          </a:p>
+          <a:p>
+            <a:pPr algn="ctr" indent="0" marL="0">
+              <a:buNone/>
+            </a:pPr>
+            <a:endParaRPr lang="en-US" sz="3600" dirty="0"/>
+          </a:p>
+          <a:p>
+            <a:pPr algn="ctr" indent="0" marL="0">
+              <a:buNone/>
+            </a:pPr>
+            <a:r>
+              <a:rPr lang="en-US" sz="3600" dirty="0">
+                <a:solidFill>
+                  <a:srgbClr val="404040"/>
                 </a:solidFill>
               </a:rPr>
               <a:t>いなか</a:t>
             </a:r>
-            <a:endParaRPr lang="en-US" sz="4800" dirty="0"/>
-          </a:p>
-        </p:txBody>
-      </p:sp>
-      <p:sp>
-        <p:nvSpPr>
-          <p:cNvPr id="3" name="Text 1"/>
+            <a:endParaRPr lang="en-US" sz="3600" dirty="0"/>
+          </a:p>
+        </p:txBody>
+      </p:sp>
+      <p:sp>
+        <p:nvSpPr>
+          <p:cNvPr id="4" name="Text 2"/>
           <p:cNvSpPr/>
           <p:nvPr/>
         </p:nvSpPr>
@@ -3336,7 +3676,7 @@
             <a:r>
               <a:rPr lang="en-US" sz="3600" dirty="0">
                 <a:solidFill>
-                  <a:srgbClr val="000000"/>
+                  <a:srgbClr val="808080"/>
                 </a:solidFill>
               </a:rPr>
               <a:t>rural area, countryside, the sticks | hometown...</a:t>
@@ -3347,32 +3687,32 @@
       </p:sp>
       <p:sp>
         <p:nvSpPr>
-          <p:cNvPr id="4" name="Text 2"/>
-          <p:cNvSpPr/>
-          <p:nvPr/>
-        </p:nvSpPr>
-        <p:spPr>
-          <a:xfrm>
-            <a:off x="0" y="4572000"/>
-            <a:ext cx="7315200" cy="1828800"/>
-          </a:xfrm>
-          <a:prstGeom prst="rect">
-            <a:avLst/>
-          </a:prstGeom>
-          <a:noFill/>
-          <a:ln/>
-        </p:spPr>
-        <p:txBody>
-          <a:bodyPr wrap="square" rtlCol="0" anchor="ctr"/>
-          <a:lstStyle/>
-          <a:p>
-            <a:pPr algn="l" indent="0" marL="0">
+          <p:cNvPr id="5" name="Text 3"/>
+          <p:cNvSpPr/>
+          <p:nvPr/>
+        </p:nvSpPr>
+        <p:spPr>
+          <a:xfrm>
+            <a:off x="0" y="3657600"/>
+            <a:ext cx="8686800" cy="1828800"/>
+          </a:xfrm>
+          <a:prstGeom prst="rect">
+            <a:avLst/>
+          </a:prstGeom>
+          <a:noFill/>
+          <a:ln/>
+        </p:spPr>
+        <p:txBody>
+          <a:bodyPr wrap="square" rtlCol="0" anchor="ctr"/>
+          <a:lstStyle/>
+          <a:p>
+            <a:pPr algn="r" indent="0" marL="0">
               <a:buNone/>
             </a:pPr>
             <a:r>
               <a:rPr lang="en-US" sz="2400" dirty="0">
                 <a:solidFill>
-                  <a:srgbClr val="000000"/>
+                  <a:srgbClr val="808080"/>
                 </a:solidFill>
               </a:rPr>
               <a:t>71-72</a:t>
@@ -3414,6 +3754,42 @@
         </p:nvSpPr>
         <p:spPr>
           <a:xfrm>
+            <a:off x="0" y="548640"/>
+            <a:ext cx="9144000" cy="1828800"/>
+          </a:xfrm>
+          <a:prstGeom prst="rect">
+            <a:avLst/>
+          </a:prstGeom>
+          <a:noFill/>
+          <a:ln/>
+        </p:spPr>
+        <p:txBody>
+          <a:bodyPr wrap="square" rtlCol="0" anchor="ctr"/>
+          <a:lstStyle/>
+          <a:p>
+            <a:pPr algn="ctr" indent="0" marL="0">
+              <a:buNone/>
+            </a:pPr>
+            <a:r>
+              <a:rPr lang="en-US" sz="4800" dirty="0">
+                <a:solidFill>
+                  <a:srgbClr val="000000"/>
+                </a:solidFill>
+              </a:rPr>
+              <a:t>営む</a:t>
+            </a:r>
+            <a:endParaRPr lang="en-US" sz="4800" dirty="0"/>
+          </a:p>
+        </p:txBody>
+      </p:sp>
+      <p:sp>
+        <p:nvSpPr>
+          <p:cNvPr id="3" name="Text 1"/>
+          <p:cNvSpPr/>
+          <p:nvPr/>
+        </p:nvSpPr>
+        <p:spPr>
+          <a:xfrm>
             <a:off x="0" y="914400"/>
             <a:ext cx="9144000" cy="1828800"/>
           </a:xfrm>
@@ -3430,35 +3806,33 @@
             <a:pPr algn="ctr" indent="0" marL="0">
               <a:buNone/>
             </a:pPr>
-            <a:r>
-              <a:rPr lang="en-US" sz="4800" dirty="0">
-                <a:solidFill>
-                  <a:srgbClr val="000000"/>
-                </a:solidFill>
-              </a:rPr>
-              <a:t>営む</a:t>
-            </a:r>
-            <a:endParaRPr lang="en-US" sz="4800" dirty="0"/>
-          </a:p>
-          <a:p>
-            <a:pPr algn="ctr" indent="0" marL="0">
-              <a:buNone/>
-            </a:pPr>
-            <a:r>
-              <a:rPr lang="en-US" sz="4800" dirty="0">
-                <a:solidFill>
-                  <a:srgbClr val="000000"/>
+            <a:endParaRPr lang="en-US" sz="3600" dirty="0"/>
+          </a:p>
+          <a:p>
+            <a:pPr algn="ctr" indent="0" marL="0">
+              <a:buNone/>
+            </a:pPr>
+            <a:endParaRPr lang="en-US" sz="3600" dirty="0"/>
+          </a:p>
+          <a:p>
+            <a:pPr algn="ctr" indent="0" marL="0">
+              <a:buNone/>
+            </a:pPr>
+            <a:r>
+              <a:rPr lang="en-US" sz="3600" dirty="0">
+                <a:solidFill>
+                  <a:srgbClr val="404040"/>
                 </a:solidFill>
               </a:rPr>
               <a:t>いとなむ</a:t>
             </a:r>
-            <a:endParaRPr lang="en-US" sz="4800" dirty="0"/>
-          </a:p>
-        </p:txBody>
-      </p:sp>
-      <p:sp>
-        <p:nvSpPr>
-          <p:cNvPr id="3" name="Text 1"/>
+            <a:endParaRPr lang="en-US" sz="3600" dirty="0"/>
+          </a:p>
+        </p:txBody>
+      </p:sp>
+      <p:sp>
+        <p:nvSpPr>
+          <p:cNvPr id="4" name="Text 2"/>
           <p:cNvSpPr/>
           <p:nvPr/>
         </p:nvSpPr>
@@ -3483,7 +3857,7 @@
             <a:r>
               <a:rPr lang="en-US" sz="3600" dirty="0">
                 <a:solidFill>
-                  <a:srgbClr val="000000"/>
+                  <a:srgbClr val="808080"/>
                 </a:solidFill>
               </a:rPr>
               <a:t>to run (a business), to operate, to conduct, to practice (law, medicine, etc.) | to carry out, to perform, to lead (a lif...</a:t>
@@ -3494,32 +3868,32 @@
       </p:sp>
       <p:sp>
         <p:nvSpPr>
-          <p:cNvPr id="4" name="Text 2"/>
-          <p:cNvSpPr/>
-          <p:nvPr/>
-        </p:nvSpPr>
-        <p:spPr>
-          <a:xfrm>
-            <a:off x="0" y="4572000"/>
-            <a:ext cx="7315200" cy="1828800"/>
-          </a:xfrm>
-          <a:prstGeom prst="rect">
-            <a:avLst/>
-          </a:prstGeom>
-          <a:noFill/>
-          <a:ln/>
-        </p:spPr>
-        <p:txBody>
-          <a:bodyPr wrap="square" rtlCol="0" anchor="ctr"/>
-          <a:lstStyle/>
-          <a:p>
-            <a:pPr algn="l" indent="0" marL="0">
+          <p:cNvPr id="5" name="Text 3"/>
+          <p:cNvSpPr/>
+          <p:nvPr/>
+        </p:nvSpPr>
+        <p:spPr>
+          <a:xfrm>
+            <a:off x="0" y="3657600"/>
+            <a:ext cx="8686800" cy="1828800"/>
+          </a:xfrm>
+          <a:prstGeom prst="rect">
+            <a:avLst/>
+          </a:prstGeom>
+          <a:noFill/>
+          <a:ln/>
+        </p:spPr>
+        <p:txBody>
+          <a:bodyPr wrap="square" rtlCol="0" anchor="ctr"/>
+          <a:lstStyle/>
+          <a:p>
+            <a:pPr algn="r" indent="0" marL="0">
               <a:buNone/>
             </a:pPr>
             <a:r>
               <a:rPr lang="en-US" sz="2400" dirty="0">
                 <a:solidFill>
-                  <a:srgbClr val="000000"/>
+                  <a:srgbClr val="808080"/>
                 </a:solidFill>
               </a:rPr>
               <a:t>71-72</a:t>
@@ -3561,6 +3935,42 @@
         </p:nvSpPr>
         <p:spPr>
           <a:xfrm>
+            <a:off x="0" y="548640"/>
+            <a:ext cx="9144000" cy="1828800"/>
+          </a:xfrm>
+          <a:prstGeom prst="rect">
+            <a:avLst/>
+          </a:prstGeom>
+          <a:noFill/>
+          <a:ln/>
+        </p:spPr>
+        <p:txBody>
+          <a:bodyPr wrap="square" rtlCol="0" anchor="ctr"/>
+          <a:lstStyle/>
+          <a:p>
+            <a:pPr algn="ctr" indent="0" marL="0">
+              <a:buNone/>
+            </a:pPr>
+            <a:r>
+              <a:rPr lang="en-US" sz="4800" dirty="0">
+                <a:solidFill>
+                  <a:srgbClr val="000000"/>
+                </a:solidFill>
+              </a:rPr>
+              <a:t>経営</a:t>
+            </a:r>
+            <a:endParaRPr lang="en-US" sz="4800" dirty="0"/>
+          </a:p>
+        </p:txBody>
+      </p:sp>
+      <p:sp>
+        <p:nvSpPr>
+          <p:cNvPr id="3" name="Text 1"/>
+          <p:cNvSpPr/>
+          <p:nvPr/>
+        </p:nvSpPr>
+        <p:spPr>
+          <a:xfrm>
             <a:off x="0" y="914400"/>
             <a:ext cx="9144000" cy="1828800"/>
           </a:xfrm>
@@ -3577,35 +3987,33 @@
             <a:pPr algn="ctr" indent="0" marL="0">
               <a:buNone/>
             </a:pPr>
-            <a:r>
-              <a:rPr lang="en-US" sz="4800" dirty="0">
-                <a:solidFill>
-                  <a:srgbClr val="000000"/>
-                </a:solidFill>
-              </a:rPr>
-              <a:t>経営</a:t>
-            </a:r>
-            <a:endParaRPr lang="en-US" sz="4800" dirty="0"/>
-          </a:p>
-          <a:p>
-            <a:pPr algn="ctr" indent="0" marL="0">
-              <a:buNone/>
-            </a:pPr>
-            <a:r>
-              <a:rPr lang="en-US" sz="4800" dirty="0">
-                <a:solidFill>
-                  <a:srgbClr val="000000"/>
+            <a:endParaRPr lang="en-US" sz="3600" dirty="0"/>
+          </a:p>
+          <a:p>
+            <a:pPr algn="ctr" indent="0" marL="0">
+              <a:buNone/>
+            </a:pPr>
+            <a:endParaRPr lang="en-US" sz="3600" dirty="0"/>
+          </a:p>
+          <a:p>
+            <a:pPr algn="ctr" indent="0" marL="0">
+              <a:buNone/>
+            </a:pPr>
+            <a:r>
+              <a:rPr lang="en-US" sz="3600" dirty="0">
+                <a:solidFill>
+                  <a:srgbClr val="404040"/>
                 </a:solidFill>
               </a:rPr>
               <a:t>けいえい</a:t>
             </a:r>
-            <a:endParaRPr lang="en-US" sz="4800" dirty="0"/>
-          </a:p>
-        </p:txBody>
-      </p:sp>
-      <p:sp>
-        <p:nvSpPr>
-          <p:cNvPr id="3" name="Text 1"/>
+            <a:endParaRPr lang="en-US" sz="3600" dirty="0"/>
+          </a:p>
+        </p:txBody>
+      </p:sp>
+      <p:sp>
+        <p:nvSpPr>
+          <p:cNvPr id="4" name="Text 2"/>
           <p:cNvSpPr/>
           <p:nvPr/>
         </p:nvSpPr>
@@ -3630,7 +4038,7 @@
             <a:r>
               <a:rPr lang="en-US" sz="3600" dirty="0">
                 <a:solidFill>
-                  <a:srgbClr val="000000"/>
+                  <a:srgbClr val="808080"/>
                 </a:solidFill>
               </a:rPr>
               <a:t>management, administration, operation, running (a business), conducting...</a:t>
@@ -3641,32 +4049,32 @@
       </p:sp>
       <p:sp>
         <p:nvSpPr>
-          <p:cNvPr id="4" name="Text 2"/>
-          <p:cNvSpPr/>
-          <p:nvPr/>
-        </p:nvSpPr>
-        <p:spPr>
-          <a:xfrm>
-            <a:off x="0" y="4572000"/>
-            <a:ext cx="7315200" cy="1828800"/>
-          </a:xfrm>
-          <a:prstGeom prst="rect">
-            <a:avLst/>
-          </a:prstGeom>
-          <a:noFill/>
-          <a:ln/>
-        </p:spPr>
-        <p:txBody>
-          <a:bodyPr wrap="square" rtlCol="0" anchor="ctr"/>
-          <a:lstStyle/>
-          <a:p>
-            <a:pPr algn="l" indent="0" marL="0">
+          <p:cNvPr id="5" name="Text 3"/>
+          <p:cNvSpPr/>
+          <p:nvPr/>
+        </p:nvSpPr>
+        <p:spPr>
+          <a:xfrm>
+            <a:off x="0" y="3657600"/>
+            <a:ext cx="8686800" cy="1828800"/>
+          </a:xfrm>
+          <a:prstGeom prst="rect">
+            <a:avLst/>
+          </a:prstGeom>
+          <a:noFill/>
+          <a:ln/>
+        </p:spPr>
+        <p:txBody>
+          <a:bodyPr wrap="square" rtlCol="0" anchor="ctr"/>
+          <a:lstStyle/>
+          <a:p>
+            <a:pPr algn="r" indent="0" marL="0">
               <a:buNone/>
             </a:pPr>
             <a:r>
               <a:rPr lang="en-US" sz="2400" dirty="0">
                 <a:solidFill>
-                  <a:srgbClr val="000000"/>
+                  <a:srgbClr val="808080"/>
                 </a:solidFill>
               </a:rPr>
               <a:t>71-72</a:t>
@@ -3708,6 +4116,42 @@
         </p:nvSpPr>
         <p:spPr>
           <a:xfrm>
+            <a:off x="0" y="548640"/>
+            <a:ext cx="9144000" cy="1828800"/>
+          </a:xfrm>
+          <a:prstGeom prst="rect">
+            <a:avLst/>
+          </a:prstGeom>
+          <a:noFill/>
+          <a:ln/>
+        </p:spPr>
+        <p:txBody>
+          <a:bodyPr wrap="square" rtlCol="0" anchor="ctr"/>
+          <a:lstStyle/>
+          <a:p>
+            <a:pPr algn="ctr" indent="0" marL="0">
+              <a:buNone/>
+            </a:pPr>
+            <a:r>
+              <a:rPr lang="en-US" sz="4800" dirty="0">
+                <a:solidFill>
+                  <a:srgbClr val="000000"/>
+                </a:solidFill>
+              </a:rPr>
+              <a:t>福</a:t>
+            </a:r>
+            <a:endParaRPr lang="en-US" sz="4800" dirty="0"/>
+          </a:p>
+        </p:txBody>
+      </p:sp>
+      <p:sp>
+        <p:nvSpPr>
+          <p:cNvPr id="3" name="Text 1"/>
+          <p:cNvSpPr/>
+          <p:nvPr/>
+        </p:nvSpPr>
+        <p:spPr>
+          <a:xfrm>
             <a:off x="0" y="914400"/>
             <a:ext cx="9144000" cy="1828800"/>
           </a:xfrm>
@@ -3724,35 +4168,33 @@
             <a:pPr algn="ctr" indent="0" marL="0">
               <a:buNone/>
             </a:pPr>
-            <a:r>
-              <a:rPr lang="en-US" sz="4800" dirty="0">
-                <a:solidFill>
-                  <a:srgbClr val="000000"/>
-                </a:solidFill>
-              </a:rPr>
-              <a:t>福</a:t>
-            </a:r>
-            <a:endParaRPr lang="en-US" sz="4800" dirty="0"/>
-          </a:p>
-          <a:p>
-            <a:pPr algn="ctr" indent="0" marL="0">
-              <a:buNone/>
-            </a:pPr>
-            <a:r>
-              <a:rPr lang="en-US" sz="4800" dirty="0">
-                <a:solidFill>
-                  <a:srgbClr val="000000"/>
+            <a:endParaRPr lang="en-US" sz="3600" dirty="0"/>
+          </a:p>
+          <a:p>
+            <a:pPr algn="ctr" indent="0" marL="0">
+              <a:buNone/>
+            </a:pPr>
+            <a:endParaRPr lang="en-US" sz="3600" dirty="0"/>
+          </a:p>
+          <a:p>
+            <a:pPr algn="ctr" indent="0" marL="0">
+              <a:buNone/>
+            </a:pPr>
+            <a:r>
+              <a:rPr lang="en-US" sz="3600" dirty="0">
+                <a:solidFill>
+                  <a:srgbClr val="404040"/>
                 </a:solidFill>
               </a:rPr>
               <a:t>ふく</a:t>
             </a:r>
-            <a:endParaRPr lang="en-US" sz="4800" dirty="0"/>
-          </a:p>
-        </p:txBody>
-      </p:sp>
-      <p:sp>
-        <p:nvSpPr>
-          <p:cNvPr id="3" name="Text 1"/>
+            <a:endParaRPr lang="en-US" sz="3600" dirty="0"/>
+          </a:p>
+        </p:txBody>
+      </p:sp>
+      <p:sp>
+        <p:nvSpPr>
+          <p:cNvPr id="4" name="Text 2"/>
           <p:cNvSpPr/>
           <p:nvPr/>
         </p:nvSpPr>
@@ -3777,7 +4219,7 @@
             <a:r>
               <a:rPr lang="en-US" sz="3600" dirty="0">
                 <a:solidFill>
-                  <a:srgbClr val="000000"/>
+                  <a:srgbClr val="808080"/>
                 </a:solidFill>
               </a:rPr>
               <a:t>good fortune, happiness, blessing, good luck...</a:t>
@@ -3788,32 +4230,32 @@
       </p:sp>
       <p:sp>
         <p:nvSpPr>
-          <p:cNvPr id="4" name="Text 2"/>
-          <p:cNvSpPr/>
-          <p:nvPr/>
-        </p:nvSpPr>
-        <p:spPr>
-          <a:xfrm>
-            <a:off x="0" y="4572000"/>
-            <a:ext cx="7315200" cy="1828800"/>
-          </a:xfrm>
-          <a:prstGeom prst="rect">
-            <a:avLst/>
-          </a:prstGeom>
-          <a:noFill/>
-          <a:ln/>
-        </p:spPr>
-        <p:txBody>
-          <a:bodyPr wrap="square" rtlCol="0" anchor="ctr"/>
-          <a:lstStyle/>
-          <a:p>
-            <a:pPr algn="l" indent="0" marL="0">
+          <p:cNvPr id="5" name="Text 3"/>
+          <p:cNvSpPr/>
+          <p:nvPr/>
+        </p:nvSpPr>
+        <p:spPr>
+          <a:xfrm>
+            <a:off x="0" y="3657600"/>
+            <a:ext cx="8686800" cy="1828800"/>
+          </a:xfrm>
+          <a:prstGeom prst="rect">
+            <a:avLst/>
+          </a:prstGeom>
+          <a:noFill/>
+          <a:ln/>
+        </p:spPr>
+        <p:txBody>
+          <a:bodyPr wrap="square" rtlCol="0" anchor="ctr"/>
+          <a:lstStyle/>
+          <a:p>
+            <a:pPr algn="r" indent="0" marL="0">
               <a:buNone/>
             </a:pPr>
             <a:r>
               <a:rPr lang="en-US" sz="2400" dirty="0">
                 <a:solidFill>
-                  <a:srgbClr val="000000"/>
+                  <a:srgbClr val="808080"/>
                 </a:solidFill>
               </a:rPr>
               <a:t>71-72</a:t>

--- a/10|2-6/2023-10-6/kanji-new.pptx
+++ b/10|2-6/2023-10-6/kanji-new.pptx
@@ -18,9 +18,10 @@
     <p:sldId id="266" r:id="rId12"/>
     <p:sldId id="267" r:id="rId13"/>
     <p:sldId id="268" r:id="rId14"/>
+    <p:sldId id="269" r:id="rId15"/>
   </p:sldIdLst>
   <p:notesMasterIdLst>
-    <p:notesMasterId r:id="rId15"/>
+    <p:notesMasterId r:id="rId16"/>
   </p:notesMasterIdLst>
   <p:sldSz cx="9144000" cy="5143500"/>
   <p:notesSz cx="5143500" cy="9144000"/>
@@ -890,6 +891,94 @@
             <a:fld id="{F7021451-1387-4CA6-816F-3879F97B5CBC}" type="slidenum">
               <a:rPr lang="en-US"/>
               <a:t>13</a:t>
+            </a:fld>
+            <a:endParaRPr lang="en-US"/>
+          </a:p>
+        </p:txBody>
+      </p:sp>
+    </p:spTree>
+    <p:extLst>
+      <p:ext uri="{BB962C8B-B14F-4D97-AF65-F5344CB8AC3E}">
+        <p14:creationId xmlns:p14="http://schemas.microsoft.com/office/powerpoint/2010/main" val="1024086991"/>
+      </p:ext>
+    </p:extLst>
+  </p:cSld>
+  <p:clrMapOvr>
+    <a:masterClrMapping/>
+  </p:clrMapOvr>
+</p:notes>
+</file>
+
+<file path=ppt/notesSlides/notesSlide14.xml><?xml version="1.0" encoding="utf-8"?>
+<p:notes xmlns:a="http://schemas.openxmlformats.org/drawingml/2006/main" xmlns:r="http://schemas.openxmlformats.org/officeDocument/2006/relationships" xmlns:p="http://schemas.openxmlformats.org/presentationml/2006/main">
+  <p:cSld>
+    <p:spTree>
+      <p:nvGrpSpPr>
+        <p:cNvPr id="1" name=""/>
+        <p:cNvGrpSpPr/>
+        <p:nvPr/>
+      </p:nvGrpSpPr>
+      <p:grpSpPr>
+        <a:xfrm>
+          <a:off x="0" y="0"/>
+          <a:ext cx="0" cy="0"/>
+          <a:chOff x="0" y="0"/>
+          <a:chExt cx="0" cy="0"/>
+        </a:xfrm>
+      </p:grpSpPr>
+      <p:sp>
+        <p:nvSpPr>
+          <p:cNvPr id="2" name="Slide Image Placeholder 1"/>
+          <p:cNvSpPr>
+            <a:spLocks noGrp="1" noRot="1" noChangeAspect="1"/>
+          </p:cNvSpPr>
+          <p:nvPr>
+            <p:ph type="sldImg"/>
+          </p:nvPr>
+        </p:nvSpPr>
+        <p:spPr/>
+      </p:sp>
+      <p:sp>
+        <p:nvSpPr>
+          <p:cNvPr id="3" name="Notes Placeholder 2"/>
+          <p:cNvSpPr>
+            <a:spLocks noGrp="1"/>
+          </p:cNvSpPr>
+          <p:nvPr>
+            <p:ph type="body" idx="1"/>
+          </p:nvPr>
+        </p:nvSpPr>
+        <p:spPr/>
+        <p:txBody>
+          <a:bodyPr/>
+          <a:lstStyle/>
+          <a:p>
+            <a:r>
+              <a:rPr lang="en-US" dirty="0"/>
+              <a:t/>
+            </a:r>
+            <a:endParaRPr lang="en-US" dirty="0"/>
+          </a:p>
+        </p:txBody>
+      </p:sp>
+      <p:sp>
+        <p:nvSpPr>
+          <p:cNvPr id="4" name="Slide Number Placeholder 3"/>
+          <p:cNvSpPr>
+            <a:spLocks noGrp="1"/>
+          </p:cNvSpPr>
+          <p:nvPr>
+            <p:ph type="sldNum" sz="quarter" idx="10"/>
+          </p:nvPr>
+        </p:nvSpPr>
+        <p:spPr/>
+        <p:txBody>
+          <a:bodyPr/>
+          <a:lstStyle/>
+          <a:p>
+            <a:fld id="{F7021451-1387-4CA6-816F-3879F97B5CBC}" type="slidenum">
+              <a:rPr lang="en-US"/>
+              <a:t>14</a:t>
             </a:fld>
             <a:endParaRPr lang="en-US"/>
           </a:p>
@@ -1966,7 +2055,7 @@
                   <a:srgbClr val="000000"/>
                 </a:solidFill>
               </a:rPr>
-              <a:t>帯</a:t>
+              <a:t>境</a:t>
             </a:r>
             <a:endParaRPr lang="en-US" sz="4800" dirty="0"/>
           </a:p>
@@ -2014,7 +2103,7 @@
                   <a:srgbClr val="404040"/>
                 </a:solidFill>
               </a:rPr>
-              <a:t>おび</a:t>
+              <a:t>さかい</a:t>
             </a:r>
             <a:endParaRPr lang="en-US" sz="3600" dirty="0"/>
           </a:p>
@@ -2050,7 +2139,7 @@
                   <a:srgbClr val="808080"/>
                 </a:solidFill>
               </a:rPr>
-              <a:t>obi, kimono sash | paper wrapper on books, CDs, etc. | band, belt, strip | cingulum | radio or television program broadca...</a:t>
+              <a:t>border, boundary | turning point, watershed | area, region, spot, space, environment | psychological state, mental state ...</a:t>
             </a:r>
             <a:endParaRPr lang="en-US" sz="3600" dirty="0"/>
           </a:p>
@@ -2086,7 +2175,7 @@
                   <a:srgbClr val="808080"/>
                 </a:solidFill>
               </a:rPr>
-              <a:t>71-72</a:t>
+              <a:t>69-70</a:t>
             </a:r>
             <a:endParaRPr lang="en-US" sz="2400" dirty="0"/>
           </a:p>
@@ -2147,7 +2236,7 @@
                   <a:srgbClr val="000000"/>
                 </a:solidFill>
               </a:rPr>
-              <a:t>福祉</a:t>
+              <a:t>回路</a:t>
             </a:r>
             <a:endParaRPr lang="en-US" sz="4800" dirty="0"/>
           </a:p>
@@ -2195,7 +2284,7 @@
                   <a:srgbClr val="404040"/>
                 </a:solidFill>
               </a:rPr>
-              <a:t>ふくし</a:t>
+              <a:t>かいろ</a:t>
             </a:r>
             <a:endParaRPr lang="en-US" sz="3600" dirty="0"/>
           </a:p>
@@ -2231,7 +2320,7 @@
                   <a:srgbClr val="808080"/>
                 </a:solidFill>
               </a:rPr>
-              <a:t>welfare, well-being, social welfare, social security, social service...</a:t>
+              <a:t>circuit (electric) | cycle (e.g. Krebs cycle)...</a:t>
             </a:r>
             <a:endParaRPr lang="en-US" sz="3600" dirty="0"/>
           </a:p>
@@ -2267,7 +2356,7 @@
                   <a:srgbClr val="808080"/>
                 </a:solidFill>
               </a:rPr>
-              <a:t>71-72</a:t>
+              <a:t>69-70</a:t>
             </a:r>
             <a:endParaRPr lang="en-US" sz="2400" dirty="0"/>
           </a:p>
@@ -2328,7 +2417,7 @@
                   <a:srgbClr val="000000"/>
                 </a:solidFill>
               </a:rPr>
-              <a:t>働く</a:t>
+              <a:t>換える</a:t>
             </a:r>
             <a:endParaRPr lang="en-US" sz="4800" dirty="0"/>
           </a:p>
@@ -2376,7 +2465,7 @@
                   <a:srgbClr val="404040"/>
                 </a:solidFill>
               </a:rPr>
-              <a:t>はたらく</a:t>
+              <a:t>かえる</a:t>
             </a:r>
             <a:endParaRPr lang="en-US" sz="3600" dirty="0"/>
           </a:p>
@@ -2412,7 +2501,7 @@
                   <a:srgbClr val="808080"/>
                 </a:solidFill>
               </a:rPr>
-              <a:t>to work, to labor, to labour | to function, to operate, to be effective, to work (i.e. ... works), to come into play | to...</a:t>
+              <a:t>to replace | to exchange, to interchange | to substitute...</a:t>
             </a:r>
             <a:endParaRPr lang="en-US" sz="3600" dirty="0"/>
           </a:p>
@@ -2448,7 +2537,7 @@
                   <a:srgbClr val="808080"/>
                 </a:solidFill>
               </a:rPr>
-              <a:t>71-72</a:t>
+              <a:t>69-70</a:t>
             </a:r>
             <a:endParaRPr lang="en-US" sz="2400" dirty="0"/>
           </a:p>
@@ -2509,7 +2598,7 @@
                   <a:srgbClr val="000000"/>
                 </a:solidFill>
               </a:rPr>
-              <a:t>実働</a:t>
+              <a:t>代替</a:t>
             </a:r>
             <a:endParaRPr lang="en-US" sz="4800" dirty="0"/>
           </a:p>
@@ -2557,7 +2646,7 @@
                   <a:srgbClr val="404040"/>
                 </a:solidFill>
               </a:rPr>
-              <a:t>じつどう</a:t>
+              <a:t>だいたい</a:t>
             </a:r>
             <a:endParaRPr lang="en-US" sz="3600" dirty="0"/>
           </a:p>
@@ -2593,7 +2682,7 @@
                   <a:srgbClr val="808080"/>
                 </a:solidFill>
               </a:rPr>
-              <a:t>actual work...</a:t>
+              <a:t>substitution | alternative, substitute...</a:t>
             </a:r>
             <a:endParaRPr lang="en-US" sz="3600" dirty="0"/>
           </a:p>
@@ -2629,7 +2718,7 @@
                   <a:srgbClr val="808080"/>
                 </a:solidFill>
               </a:rPr>
-              <a:t>71-72</a:t>
+              <a:t>69-70</a:t>
             </a:r>
             <a:endParaRPr lang="en-US" sz="2400" dirty="0"/>
           </a:p>
@@ -2690,7 +2779,7 @@
                   <a:srgbClr val="000000"/>
                 </a:solidFill>
               </a:rPr>
-              <a:t>政策</a:t>
+              <a:t>携わる</a:t>
             </a:r>
             <a:endParaRPr lang="en-US" sz="4800" dirty="0"/>
           </a:p>
@@ -2738,7 +2827,7 @@
                   <a:srgbClr val="404040"/>
                 </a:solidFill>
               </a:rPr>
-              <a:t>せいさく</a:t>
+              <a:t>たずさわる</a:t>
             </a:r>
             <a:endParaRPr lang="en-US" sz="3600" dirty="0"/>
           </a:p>
@@ -2774,7 +2863,7 @@
                   <a:srgbClr val="808080"/>
                 </a:solidFill>
               </a:rPr>
-              <a:t>political measures, policy...</a:t>
+              <a:t>to engage in, to participate in, to take part in, to be involved in...</a:t>
             </a:r>
             <a:endParaRPr lang="en-US" sz="3600" dirty="0"/>
           </a:p>
@@ -2810,7 +2899,188 @@
                   <a:srgbClr val="808080"/>
                 </a:solidFill>
               </a:rPr>
-              <a:t>71-72</a:t>
+              <a:t>69-70</a:t>
+            </a:r>
+            <a:endParaRPr lang="en-US" sz="2400" dirty="0"/>
+          </a:p>
+        </p:txBody>
+      </p:sp>
+    </p:spTree>
+  </p:cSld>
+  <p:clrMapOvr>
+    <a:masterClrMapping/>
+  </p:clrMapOvr>
+</p:sld>
+</file>
+
+<file path=ppt/slides/slide14.xml><?xml version="1.0" encoding="utf-8"?>
+<p:sld xmlns:a="http://schemas.openxmlformats.org/drawingml/2006/main" xmlns:r="http://schemas.openxmlformats.org/officeDocument/2006/relationships" xmlns:p="http://schemas.openxmlformats.org/presentationml/2006/main">
+  <p:cSld name="Slide 14">
+    <p:spTree>
+      <p:nvGrpSpPr>
+        <p:cNvPr id="1" name=""/>
+        <p:cNvGrpSpPr/>
+        <p:nvPr/>
+      </p:nvGrpSpPr>
+      <p:grpSpPr>
+        <a:xfrm>
+          <a:off x="0" y="0"/>
+          <a:ext cx="0" cy="0"/>
+          <a:chOff x="0" y="0"/>
+          <a:chExt cx="0" cy="0"/>
+        </a:xfrm>
+      </p:grpSpPr>
+      <p:sp>
+        <p:nvSpPr>
+          <p:cNvPr id="2" name="Text 0"/>
+          <p:cNvSpPr/>
+          <p:nvPr/>
+        </p:nvSpPr>
+        <p:spPr>
+          <a:xfrm>
+            <a:off x="0" y="548640"/>
+            <a:ext cx="9144000" cy="1828800"/>
+          </a:xfrm>
+          <a:prstGeom prst="rect">
+            <a:avLst/>
+          </a:prstGeom>
+          <a:noFill/>
+          <a:ln/>
+        </p:spPr>
+        <p:txBody>
+          <a:bodyPr wrap="square" rtlCol="0" anchor="ctr"/>
+          <a:lstStyle/>
+          <a:p>
+            <a:pPr algn="ctr" indent="0" marL="0">
+              <a:buNone/>
+            </a:pPr>
+            <a:r>
+              <a:rPr lang="en-US" sz="4800" dirty="0">
+                <a:solidFill>
+                  <a:srgbClr val="000000"/>
+                </a:solidFill>
+              </a:rPr>
+              <a:t>連携</a:t>
+            </a:r>
+            <a:endParaRPr lang="en-US" sz="4800" dirty="0"/>
+          </a:p>
+        </p:txBody>
+      </p:sp>
+      <p:sp>
+        <p:nvSpPr>
+          <p:cNvPr id="3" name="Text 1"/>
+          <p:cNvSpPr/>
+          <p:nvPr/>
+        </p:nvSpPr>
+        <p:spPr>
+          <a:xfrm>
+            <a:off x="0" y="914400"/>
+            <a:ext cx="9144000" cy="1828800"/>
+          </a:xfrm>
+          <a:prstGeom prst="rect">
+            <a:avLst/>
+          </a:prstGeom>
+          <a:noFill/>
+          <a:ln/>
+        </p:spPr>
+        <p:txBody>
+          <a:bodyPr wrap="square" rtlCol="0" anchor="ctr"/>
+          <a:lstStyle/>
+          <a:p>
+            <a:pPr algn="ctr" indent="0" marL="0">
+              <a:buNone/>
+            </a:pPr>
+            <a:endParaRPr lang="en-US" sz="3600" dirty="0"/>
+          </a:p>
+          <a:p>
+            <a:pPr algn="ctr" indent="0" marL="0">
+              <a:buNone/>
+            </a:pPr>
+            <a:endParaRPr lang="en-US" sz="3600" dirty="0"/>
+          </a:p>
+          <a:p>
+            <a:pPr algn="ctr" indent="0" marL="0">
+              <a:buNone/>
+            </a:pPr>
+            <a:r>
+              <a:rPr lang="en-US" sz="3600" dirty="0">
+                <a:solidFill>
+                  <a:srgbClr val="404040"/>
+                </a:solidFill>
+              </a:rPr>
+              <a:t>れんけい</a:t>
+            </a:r>
+            <a:endParaRPr lang="en-US" sz="3600" dirty="0"/>
+          </a:p>
+        </p:txBody>
+      </p:sp>
+      <p:sp>
+        <p:nvSpPr>
+          <p:cNvPr id="4" name="Text 2"/>
+          <p:cNvSpPr/>
+          <p:nvPr/>
+        </p:nvSpPr>
+        <p:spPr>
+          <a:xfrm>
+            <a:off x="0" y="2743200"/>
+            <a:ext cx="9144000" cy="1828800"/>
+          </a:xfrm>
+          <a:prstGeom prst="rect">
+            <a:avLst/>
+          </a:prstGeom>
+          <a:noFill/>
+          <a:ln/>
+        </p:spPr>
+        <p:txBody>
+          <a:bodyPr wrap="square" rtlCol="0" anchor="ctr"/>
+          <a:lstStyle/>
+          <a:p>
+            <a:pPr algn="ctr" indent="0" marL="0">
+              <a:buNone/>
+            </a:pPr>
+            <a:r>
+              <a:rPr lang="en-US" sz="3600" dirty="0">
+                <a:solidFill>
+                  <a:srgbClr val="808080"/>
+                </a:solidFill>
+              </a:rPr>
+              <a:t>cooperation, coordination, link...</a:t>
+            </a:r>
+            <a:endParaRPr lang="en-US" sz="3600" dirty="0"/>
+          </a:p>
+        </p:txBody>
+      </p:sp>
+      <p:sp>
+        <p:nvSpPr>
+          <p:cNvPr id="5" name="Text 3"/>
+          <p:cNvSpPr/>
+          <p:nvPr/>
+        </p:nvSpPr>
+        <p:spPr>
+          <a:xfrm>
+            <a:off x="0" y="3657600"/>
+            <a:ext cx="8686800" cy="1828800"/>
+          </a:xfrm>
+          <a:prstGeom prst="rect">
+            <a:avLst/>
+          </a:prstGeom>
+          <a:noFill/>
+          <a:ln/>
+        </p:spPr>
+        <p:txBody>
+          <a:bodyPr wrap="square" rtlCol="0" anchor="ctr"/>
+          <a:lstStyle/>
+          <a:p>
+            <a:pPr algn="r" indent="0" marL="0">
+              <a:buNone/>
+            </a:pPr>
+            <a:r>
+              <a:rPr lang="en-US" sz="2400" dirty="0">
+                <a:solidFill>
+                  <a:srgbClr val="808080"/>
+                </a:solidFill>
+              </a:rPr>
+              <a:t>69-70</a:t>
             </a:r>
             <a:endParaRPr lang="en-US" sz="2400" dirty="0"/>
           </a:p>
@@ -2871,7 +3141,7 @@
                   <a:srgbClr val="000000"/>
                 </a:solidFill>
               </a:rPr>
-              <a:t>携帯</a:t>
+              <a:t>環境</a:t>
             </a:r>
             <a:endParaRPr lang="en-US" sz="4800" dirty="0"/>
           </a:p>
@@ -2919,7 +3189,7 @@
                   <a:srgbClr val="404040"/>
                 </a:solidFill>
               </a:rPr>
-              <a:t>けいたい</a:t>
+              <a:t>かんきょう</a:t>
             </a:r>
             <a:endParaRPr lang="en-US" sz="3600" dirty="0"/>
           </a:p>
@@ -2955,7 +3225,7 @@
                   <a:srgbClr val="808080"/>
                 </a:solidFill>
               </a:rPr>
-              <a:t>carrying (on one's person or in the hand) | mobile phone, cell phone...</a:t>
+              <a:t>environment, circumstance...</a:t>
             </a:r>
             <a:endParaRPr lang="en-US" sz="3600" dirty="0"/>
           </a:p>
@@ -2991,7 +3261,7 @@
                   <a:srgbClr val="808080"/>
                 </a:solidFill>
               </a:rPr>
-              <a:t>71-72</a:t>
+              <a:t>69-70</a:t>
             </a:r>
             <a:endParaRPr lang="en-US" sz="2400" dirty="0"/>
           </a:p>
@@ -3052,7 +3322,7 @@
                   <a:srgbClr val="000000"/>
                 </a:solidFill>
               </a:rPr>
-              <a:t>夢</a:t>
+              <a:t>音響</a:t>
             </a:r>
             <a:endParaRPr lang="en-US" sz="4800" dirty="0"/>
           </a:p>
@@ -3100,7 +3370,7 @@
                   <a:srgbClr val="404040"/>
                 </a:solidFill>
               </a:rPr>
-              <a:t>ゆめ</a:t>
+              <a:t>おんきょう</a:t>
             </a:r>
             <a:endParaRPr lang="en-US" sz="3600" dirty="0"/>
           </a:p>
@@ -3136,7 +3406,7 @@
                   <a:srgbClr val="808080"/>
                 </a:solidFill>
               </a:rPr>
-              <a:t>dream...</a:t>
+              <a:t>sound, noise, acoustics, reverberation, echo, audio...</a:t>
             </a:r>
             <a:endParaRPr lang="en-US" sz="3600" dirty="0"/>
           </a:p>
@@ -3172,7 +3442,7 @@
                   <a:srgbClr val="808080"/>
                 </a:solidFill>
               </a:rPr>
-              <a:t>71-72</a:t>
+              <a:t>69-70</a:t>
             </a:r>
             <a:endParaRPr lang="en-US" sz="2400" dirty="0"/>
           </a:p>
@@ -3233,7 +3503,7 @@
                   <a:srgbClr val="000000"/>
                 </a:solidFill>
               </a:rPr>
-              <a:t>夢中</a:t>
+              <a:t>影</a:t>
             </a:r>
             <a:endParaRPr lang="en-US" sz="4800" dirty="0"/>
           </a:p>
@@ -3281,7 +3551,7 @@
                   <a:srgbClr val="404040"/>
                 </a:solidFill>
               </a:rPr>
-              <a:t>むちゅう</a:t>
+              <a:t>かげ</a:t>
             </a:r>
             <a:endParaRPr lang="en-US" sz="3600" dirty="0"/>
           </a:p>
@@ -3317,7 +3587,7 @@
                   <a:srgbClr val="808080"/>
                 </a:solidFill>
               </a:rPr>
-              <a:t>absorbed in, immersed in, crazy about, obsessed with, devoted to | forgetting oneself, daze, trance, ecstasy, delirium | ...</a:t>
+              <a:t>shadow, silhouette, figure, shape | reflection, image | ominous sign | light (stars, moon) | trace, shadow (of one's form...</a:t>
             </a:r>
             <a:endParaRPr lang="en-US" sz="3600" dirty="0"/>
           </a:p>
@@ -3353,7 +3623,7 @@
                   <a:srgbClr val="808080"/>
                 </a:solidFill>
               </a:rPr>
-              <a:t>71-72</a:t>
+              <a:t>69-70</a:t>
             </a:r>
             <a:endParaRPr lang="en-US" sz="2400" dirty="0"/>
           </a:p>
@@ -3414,7 +3684,7 @@
                   <a:srgbClr val="000000"/>
                 </a:solidFill>
               </a:rPr>
-              <a:t>校舎</a:t>
+              <a:t>影響</a:t>
             </a:r>
             <a:endParaRPr lang="en-US" sz="4800" dirty="0"/>
           </a:p>
@@ -3462,7 +3732,7 @@
                   <a:srgbClr val="404040"/>
                 </a:solidFill>
               </a:rPr>
-              <a:t>こうしゃ</a:t>
+              <a:t>えいきょう</a:t>
             </a:r>
             <a:endParaRPr lang="en-US" sz="3600" dirty="0"/>
           </a:p>
@@ -3498,7 +3768,7 @@
                   <a:srgbClr val="808080"/>
                 </a:solidFill>
               </a:rPr>
-              <a:t>school building, schoolhouse...</a:t>
+              <a:t>influence, effect, impact...</a:t>
             </a:r>
             <a:endParaRPr lang="en-US" sz="3600" dirty="0"/>
           </a:p>
@@ -3534,7 +3804,7 @@
                   <a:srgbClr val="808080"/>
                 </a:solidFill>
               </a:rPr>
-              <a:t>71-72</a:t>
+              <a:t>69-70</a:t>
             </a:r>
             <a:endParaRPr lang="en-US" sz="2400" dirty="0"/>
           </a:p>
@@ -3595,7 +3865,7 @@
                   <a:srgbClr val="000000"/>
                 </a:solidFill>
               </a:rPr>
-              <a:t>田舎</a:t>
+              <a:t>感染</a:t>
             </a:r>
             <a:endParaRPr lang="en-US" sz="4800" dirty="0"/>
           </a:p>
@@ -3643,7 +3913,7 @@
                   <a:srgbClr val="404040"/>
                 </a:solidFill>
               </a:rPr>
-              <a:t>いなか</a:t>
+              <a:t>かんせん</a:t>
             </a:r>
             <a:endParaRPr lang="en-US" sz="3600" dirty="0"/>
           </a:p>
@@ -3679,7 +3949,7 @@
                   <a:srgbClr val="808080"/>
                 </a:solidFill>
               </a:rPr>
-              <a:t>rural area, countryside, the sticks | hometown...</a:t>
+              <a:t>infection, contagion, becoming infected | being infected (e.g. with harmful ideas), being influenced (by)...</a:t>
             </a:r>
             <a:endParaRPr lang="en-US" sz="3600" dirty="0"/>
           </a:p>
@@ -3715,7 +3985,7 @@
                   <a:srgbClr val="808080"/>
                 </a:solidFill>
               </a:rPr>
-              <a:t>71-72</a:t>
+              <a:t>69-70</a:t>
             </a:r>
             <a:endParaRPr lang="en-US" sz="2400" dirty="0"/>
           </a:p>
@@ -3776,7 +4046,7 @@
                   <a:srgbClr val="000000"/>
                 </a:solidFill>
               </a:rPr>
-              <a:t>営む</a:t>
+              <a:t>汚い</a:t>
             </a:r>
             <a:endParaRPr lang="en-US" sz="4800" dirty="0"/>
           </a:p>
@@ -3824,7 +4094,7 @@
                   <a:srgbClr val="404040"/>
                 </a:solidFill>
               </a:rPr>
-              <a:t>いとなむ</a:t>
+              <a:t>きたない</a:t>
             </a:r>
             <a:endParaRPr lang="en-US" sz="3600" dirty="0"/>
           </a:p>
@@ -3860,7 +4130,7 @@
                   <a:srgbClr val="808080"/>
                 </a:solidFill>
               </a:rPr>
-              <a:t>to run (a business), to operate, to conduct, to practice (law, medicine, etc.) | to carry out, to perform, to lead (a lif...</a:t>
+              <a:t>dirty, filthy, foul, unclean | disordered, messy, untidy, poor (e.g. handwriting) | indecent (language, etc.), dirty, vul...</a:t>
             </a:r>
             <a:endParaRPr lang="en-US" sz="3600" dirty="0"/>
           </a:p>
@@ -3896,7 +4166,7 @@
                   <a:srgbClr val="808080"/>
                 </a:solidFill>
               </a:rPr>
-              <a:t>71-72</a:t>
+              <a:t>69-70</a:t>
             </a:r>
             <a:endParaRPr lang="en-US" sz="2400" dirty="0"/>
           </a:p>
@@ -3957,7 +4227,7 @@
                   <a:srgbClr val="000000"/>
                 </a:solidFill>
               </a:rPr>
-              <a:t>経営</a:t>
+              <a:t>汚す</a:t>
             </a:r>
             <a:endParaRPr lang="en-US" sz="4800" dirty="0"/>
           </a:p>
@@ -4005,7 +4275,7 @@
                   <a:srgbClr val="404040"/>
                 </a:solidFill>
               </a:rPr>
-              <a:t>けいえい</a:t>
+              <a:t>よごす</a:t>
             </a:r>
             <a:endParaRPr lang="en-US" sz="3600" dirty="0"/>
           </a:p>
@@ -4041,7 +4311,7 @@
                   <a:srgbClr val="808080"/>
                 </a:solidFill>
               </a:rPr>
-              <a:t>management, administration, operation, running (a business), conducting...</a:t>
+              <a:t>to pollute, to contaminate, to soil, to make dirty, to stain | to disgrace, to dishonour, to dishonor, to defile...</a:t>
             </a:r>
             <a:endParaRPr lang="en-US" sz="3600" dirty="0"/>
           </a:p>
@@ -4077,7 +4347,7 @@
                   <a:srgbClr val="808080"/>
                 </a:solidFill>
               </a:rPr>
-              <a:t>71-72</a:t>
+              <a:t>69-70</a:t>
             </a:r>
             <a:endParaRPr lang="en-US" sz="2400" dirty="0"/>
           </a:p>
@@ -4138,7 +4408,7 @@
                   <a:srgbClr val="000000"/>
                 </a:solidFill>
               </a:rPr>
-              <a:t>福</a:t>
+              <a:t>汚染</a:t>
             </a:r>
             <a:endParaRPr lang="en-US" sz="4800" dirty="0"/>
           </a:p>
@@ -4186,7 +4456,7 @@
                   <a:srgbClr val="404040"/>
                 </a:solidFill>
               </a:rPr>
-              <a:t>ふく</a:t>
+              <a:t>おせん</a:t>
             </a:r>
             <a:endParaRPr lang="en-US" sz="3600" dirty="0"/>
           </a:p>
@@ -4222,7 +4492,7 @@
                   <a:srgbClr val="808080"/>
                 </a:solidFill>
               </a:rPr>
-              <a:t>good fortune, happiness, blessing, good luck...</a:t>
+              <a:t>pollution, contamination...</a:t>
             </a:r>
             <a:endParaRPr lang="en-US" sz="3600" dirty="0"/>
           </a:p>
@@ -4258,7 +4528,7 @@
                   <a:srgbClr val="808080"/>
                 </a:solidFill>
               </a:rPr>
-              <a:t>71-72</a:t>
+              <a:t>69-70</a:t>
             </a:r>
             <a:endParaRPr lang="en-US" sz="2400" dirty="0"/>
           </a:p>
